--- a/Presentation.pptx
+++ b/Presentation.pptx
@@ -3633,11 +3633,7 @@
           <a:p>
             <a:r>
               <a:rPr lang="en-US" sz="4800" b="1" dirty="0" smtClean="0"/>
-              <a:t>Introductory statistics: Project </a:t>
-            </a:r>
-            <a:r>
-              <a:rPr lang="en-US" sz="4800" b="1" dirty="0" smtClean="0"/>
-              <a:t>#1</a:t>
+              <a:t>Introductory statistics: Project #1</a:t>
             </a:r>
             <a:endParaRPr lang="en-US" sz="4800" b="1" dirty="0"/>
           </a:p>
@@ -4574,7 +4570,6 @@
               <a:rPr lang="en-US" sz="4800" b="1" dirty="0"/>
               <a:t>(pre- and post-project)</a:t>
             </a:r>
-            <a:endParaRPr lang="en-US" sz="4800" b="1" dirty="0"/>
           </a:p>
         </p:txBody>
       </p:sp>
@@ -7873,11 +7868,7 @@
           <a:p>
             <a:r>
               <a:rPr lang="en-US" sz="4800" b="1" dirty="0" smtClean="0"/>
-              <a:t>Introductory statistics: Project </a:t>
-            </a:r>
-            <a:r>
-              <a:rPr lang="en-US" sz="4800" b="1" dirty="0" smtClean="0"/>
-              <a:t>#2</a:t>
+              <a:t>Introductory statistics: Project #2</a:t>
             </a:r>
             <a:endParaRPr lang="en-US" sz="4800" b="1" dirty="0"/>
           </a:p>
@@ -8071,11 +8062,7 @@
           <a:p>
             <a:r>
               <a:rPr lang="en-US" sz="4800" b="1" dirty="0" smtClean="0"/>
-              <a:t>Introductory statistics: Project </a:t>
-            </a:r>
-            <a:r>
-              <a:rPr lang="en-US" sz="4800" b="1" dirty="0" smtClean="0"/>
-              <a:t>#2</a:t>
+              <a:t>Introductory statistics: Project #2</a:t>
             </a:r>
             <a:endParaRPr lang="en-US" sz="4800" dirty="0"/>
           </a:p>
@@ -8375,11 +8362,7 @@
           <a:p>
             <a:r>
               <a:rPr lang="en-US" sz="4800" b="1" dirty="0" smtClean="0"/>
-              <a:t>Introductory statistics: Project </a:t>
-            </a:r>
-            <a:r>
-              <a:rPr lang="en-US" sz="4800" b="1" dirty="0" smtClean="0"/>
-              <a:t>#2</a:t>
+              <a:t>Introductory statistics: Project #2</a:t>
             </a:r>
             <a:endParaRPr lang="en-US" sz="4800" dirty="0"/>
           </a:p>
@@ -8595,11 +8578,7 @@
           <a:p>
             <a:r>
               <a:rPr lang="en-US" sz="4800" b="1" dirty="0" smtClean="0"/>
-              <a:t>Introductory statistics: Project </a:t>
-            </a:r>
-            <a:r>
-              <a:rPr lang="en-US" sz="4800" b="1" dirty="0" smtClean="0"/>
-              <a:t>#2</a:t>
+              <a:t>Introductory statistics: Project #2</a:t>
             </a:r>
             <a:endParaRPr lang="en-US" sz="4800" dirty="0"/>
           </a:p>
@@ -8833,11 +8812,7 @@
           <a:p>
             <a:r>
               <a:rPr lang="en-US" sz="4800" b="1" dirty="0" smtClean="0"/>
-              <a:t>Introductory statistics: Project </a:t>
-            </a:r>
-            <a:r>
-              <a:rPr lang="en-US" sz="4800" b="1" dirty="0" smtClean="0"/>
-              <a:t>#2</a:t>
+              <a:t>Introductory statistics: Project #2</a:t>
             </a:r>
             <a:endParaRPr lang="en-US" sz="4800" dirty="0"/>
           </a:p>
@@ -9113,20 +9088,12 @@
               <a:t>These slides</a:t>
             </a:r>
             <a:r>
-              <a:rPr lang="en-US" sz="5400" dirty="0"/>
+              <a:rPr lang="en-US" sz="5400"/>
               <a:t>:  </a:t>
             </a:r>
             <a:r>
-              <a:rPr lang="en-US" sz="5400" dirty="0">
-                <a:hlinkClick r:id="rId2"/>
-              </a:rPr>
-              <a:t>http://</a:t>
-            </a:r>
-            <a:r>
-              <a:rPr lang="en-US" sz="5400" dirty="0" smtClean="0">
-                <a:hlinkClick r:id="rId2"/>
-              </a:rPr>
-              <a:t>bit.ly/29DrQRt</a:t>
+              <a:rPr lang="en-US" sz="5400" smtClean="0"/>
+              <a:t>Link to be added</a:t>
             </a:r>
             <a:endParaRPr lang="en-US" sz="5400" dirty="0"/>
           </a:p>
@@ -9807,11 +9774,7 @@
           <a:p>
             <a:r>
               <a:rPr lang="en-US" sz="4800" b="1" dirty="0" smtClean="0"/>
-              <a:t>Introductory statistics: Project </a:t>
-            </a:r>
-            <a:r>
-              <a:rPr lang="en-US" sz="4800" b="1" dirty="0" smtClean="0"/>
-              <a:t>#1</a:t>
+              <a:t>Introductory statistics: Project #1</a:t>
             </a:r>
             <a:endParaRPr lang="en-US" sz="4800" b="1" dirty="0"/>
           </a:p>
@@ -10031,11 +9994,7 @@
           <a:p>
             <a:r>
               <a:rPr lang="en-US" sz="4800" b="1" dirty="0" smtClean="0"/>
-              <a:t>Introductory statistics: Project </a:t>
-            </a:r>
-            <a:r>
-              <a:rPr lang="en-US" sz="4800" b="1" dirty="0" smtClean="0"/>
-              <a:t>#1</a:t>
+              <a:t>Introductory statistics: Project #1</a:t>
             </a:r>
             <a:endParaRPr lang="en-US" sz="4800" dirty="0"/>
           </a:p>
@@ -10166,11 +10125,7 @@
             </a:r>
             <a:r>
               <a:rPr lang="en-US" sz="2200" dirty="0" smtClean="0"/>
-              <a:t>Differences </a:t>
-            </a:r>
-            <a:r>
-              <a:rPr lang="en-US" sz="2200" dirty="0" smtClean="0"/>
-              <a:t>in protective and risk factors across race associated with differences in health outcomes</a:t>
+              <a:t>Differences in protective and risk factors across race associated with differences in health outcomes</a:t>
             </a:r>
           </a:p>
           <a:p>
@@ -10364,11 +10319,7 @@
           <a:p>
             <a:r>
               <a:rPr lang="en-US" sz="4800" b="1" dirty="0" smtClean="0"/>
-              <a:t>Introductory statistics: Project </a:t>
-            </a:r>
-            <a:r>
-              <a:rPr lang="en-US" sz="4800" b="1" dirty="0" smtClean="0"/>
-              <a:t>#1</a:t>
+              <a:t>Introductory statistics: Project #1</a:t>
             </a:r>
             <a:endParaRPr lang="en-US" sz="4800" b="1" dirty="0"/>
           </a:p>
@@ -10547,11 +10498,7 @@
           <a:p>
             <a:r>
               <a:rPr lang="en-US" sz="4800" b="1" dirty="0" smtClean="0"/>
-              <a:t>Introductory statistics: Project </a:t>
-            </a:r>
-            <a:r>
-              <a:rPr lang="en-US" sz="4800" b="1" dirty="0" smtClean="0"/>
-              <a:t>#1</a:t>
+              <a:t>Introductory statistics: Project #1</a:t>
             </a:r>
             <a:endParaRPr lang="en-US" sz="4800" b="1" dirty="0"/>
           </a:p>

--- a/Presentation.pptx
+++ b/Presentation.pptx
@@ -9093,7 +9093,11 @@
             </a:r>
             <a:r>
               <a:rPr lang="en-US" sz="5400" smtClean="0"/>
-              <a:t>Link to be added</a:t>
+              <a:t>Link to be </a:t>
+            </a:r>
+            <a:r>
+              <a:rPr lang="en-US" sz="5400" smtClean="0"/>
+              <a:t>added later</a:t>
             </a:r>
             <a:endParaRPr lang="en-US" sz="5400" dirty="0"/>
           </a:p>

--- a/Presentation.pptx
+++ b/Presentation.pptx
@@ -5,37 +5,38 @@
     <p:sldMasterId id="2147483648" r:id="rId1"/>
   </p:sldMasterIdLst>
   <p:notesMasterIdLst>
-    <p:notesMasterId r:id="rId30"/>
+    <p:notesMasterId r:id="rId31"/>
   </p:notesMasterIdLst>
   <p:sldIdLst>
     <p:sldId id="257" r:id="rId2"/>
     <p:sldId id="269" r:id="rId3"/>
     <p:sldId id="293" r:id="rId4"/>
-    <p:sldId id="261" r:id="rId5"/>
-    <p:sldId id="260" r:id="rId6"/>
-    <p:sldId id="270" r:id="rId7"/>
-    <p:sldId id="271" r:id="rId8"/>
-    <p:sldId id="272" r:id="rId9"/>
-    <p:sldId id="275" r:id="rId10"/>
-    <p:sldId id="274" r:id="rId11"/>
-    <p:sldId id="273" r:id="rId12"/>
-    <p:sldId id="276" r:id="rId13"/>
-    <p:sldId id="277" r:id="rId14"/>
-    <p:sldId id="278" r:id="rId15"/>
-    <p:sldId id="279" r:id="rId16"/>
-    <p:sldId id="282" r:id="rId17"/>
-    <p:sldId id="283" r:id="rId18"/>
-    <p:sldId id="280" r:id="rId19"/>
-    <p:sldId id="284" r:id="rId20"/>
-    <p:sldId id="281" r:id="rId21"/>
-    <p:sldId id="285" r:id="rId22"/>
-    <p:sldId id="287" r:id="rId23"/>
-    <p:sldId id="288" r:id="rId24"/>
-    <p:sldId id="289" r:id="rId25"/>
-    <p:sldId id="290" r:id="rId26"/>
-    <p:sldId id="291" r:id="rId27"/>
-    <p:sldId id="286" r:id="rId28"/>
-    <p:sldId id="292" r:id="rId29"/>
+    <p:sldId id="295" r:id="rId5"/>
+    <p:sldId id="294" r:id="rId6"/>
+    <p:sldId id="260" r:id="rId7"/>
+    <p:sldId id="270" r:id="rId8"/>
+    <p:sldId id="271" r:id="rId9"/>
+    <p:sldId id="272" r:id="rId10"/>
+    <p:sldId id="275" r:id="rId11"/>
+    <p:sldId id="274" r:id="rId12"/>
+    <p:sldId id="273" r:id="rId13"/>
+    <p:sldId id="276" r:id="rId14"/>
+    <p:sldId id="277" r:id="rId15"/>
+    <p:sldId id="278" r:id="rId16"/>
+    <p:sldId id="279" r:id="rId17"/>
+    <p:sldId id="282" r:id="rId18"/>
+    <p:sldId id="283" r:id="rId19"/>
+    <p:sldId id="280" r:id="rId20"/>
+    <p:sldId id="284" r:id="rId21"/>
+    <p:sldId id="281" r:id="rId22"/>
+    <p:sldId id="285" r:id="rId23"/>
+    <p:sldId id="287" r:id="rId24"/>
+    <p:sldId id="288" r:id="rId25"/>
+    <p:sldId id="289" r:id="rId26"/>
+    <p:sldId id="290" r:id="rId27"/>
+    <p:sldId id="291" r:id="rId28"/>
+    <p:sldId id="286" r:id="rId29"/>
+    <p:sldId id="292" r:id="rId30"/>
   </p:sldIdLst>
   <p:sldSz cx="12192000" cy="6858000"/>
   <p:notesSz cx="6858000" cy="9144000"/>
@@ -224,7 +225,7 @@
           <a:p>
             <a:fld id="{1FBEB1B4-B7E2-4741-AFEF-30748ABD00D0}" type="datetimeFigureOut">
               <a:rPr lang="en-US" smtClean="0"/>
-              <a:t>7/13/2016</a:t>
+              <a:t>7/14/2016</a:t>
             </a:fld>
             <a:endParaRPr lang="en-US"/>
           </a:p>
@@ -623,7 +624,7 @@
           <a:p>
             <a:fld id="{E142100B-909A-4E9A-ABD3-FFD5A5D10F4C}" type="datetimeFigureOut">
               <a:rPr lang="en-US" smtClean="0"/>
-              <a:t>7/13/2016</a:t>
+              <a:t>7/14/2016</a:t>
             </a:fld>
             <a:endParaRPr lang="en-US"/>
           </a:p>
@@ -793,7 +794,7 @@
           <a:p>
             <a:fld id="{E142100B-909A-4E9A-ABD3-FFD5A5D10F4C}" type="datetimeFigureOut">
               <a:rPr lang="en-US" smtClean="0"/>
-              <a:t>7/13/2016</a:t>
+              <a:t>7/14/2016</a:t>
             </a:fld>
             <a:endParaRPr lang="en-US"/>
           </a:p>
@@ -973,7 +974,7 @@
           <a:p>
             <a:fld id="{E142100B-909A-4E9A-ABD3-FFD5A5D10F4C}" type="datetimeFigureOut">
               <a:rPr lang="en-US" smtClean="0"/>
-              <a:t>7/13/2016</a:t>
+              <a:t>7/14/2016</a:t>
             </a:fld>
             <a:endParaRPr lang="en-US"/>
           </a:p>
@@ -1143,7 +1144,7 @@
           <a:p>
             <a:fld id="{E142100B-909A-4E9A-ABD3-FFD5A5D10F4C}" type="datetimeFigureOut">
               <a:rPr lang="en-US" smtClean="0"/>
-              <a:t>7/13/2016</a:t>
+              <a:t>7/14/2016</a:t>
             </a:fld>
             <a:endParaRPr lang="en-US"/>
           </a:p>
@@ -1389,7 +1390,7 @@
           <a:p>
             <a:fld id="{E142100B-909A-4E9A-ABD3-FFD5A5D10F4C}" type="datetimeFigureOut">
               <a:rPr lang="en-US" smtClean="0"/>
-              <a:t>7/13/2016</a:t>
+              <a:t>7/14/2016</a:t>
             </a:fld>
             <a:endParaRPr lang="en-US"/>
           </a:p>
@@ -1621,7 +1622,7 @@
           <a:p>
             <a:fld id="{E142100B-909A-4E9A-ABD3-FFD5A5D10F4C}" type="datetimeFigureOut">
               <a:rPr lang="en-US" smtClean="0"/>
-              <a:t>7/13/2016</a:t>
+              <a:t>7/14/2016</a:t>
             </a:fld>
             <a:endParaRPr lang="en-US"/>
           </a:p>
@@ -1988,7 +1989,7 @@
           <a:p>
             <a:fld id="{E142100B-909A-4E9A-ABD3-FFD5A5D10F4C}" type="datetimeFigureOut">
               <a:rPr lang="en-US" smtClean="0"/>
-              <a:t>7/13/2016</a:t>
+              <a:t>7/14/2016</a:t>
             </a:fld>
             <a:endParaRPr lang="en-US"/>
           </a:p>
@@ -2106,7 +2107,7 @@
           <a:p>
             <a:fld id="{E142100B-909A-4E9A-ABD3-FFD5A5D10F4C}" type="datetimeFigureOut">
               <a:rPr lang="en-US" smtClean="0"/>
-              <a:t>7/13/2016</a:t>
+              <a:t>7/14/2016</a:t>
             </a:fld>
             <a:endParaRPr lang="en-US"/>
           </a:p>
@@ -2201,7 +2202,7 @@
           <a:p>
             <a:fld id="{E142100B-909A-4E9A-ABD3-FFD5A5D10F4C}" type="datetimeFigureOut">
               <a:rPr lang="en-US" smtClean="0"/>
-              <a:t>7/13/2016</a:t>
+              <a:t>7/14/2016</a:t>
             </a:fld>
             <a:endParaRPr lang="en-US"/>
           </a:p>
@@ -2478,7 +2479,7 @@
           <a:p>
             <a:fld id="{E142100B-909A-4E9A-ABD3-FFD5A5D10F4C}" type="datetimeFigureOut">
               <a:rPr lang="en-US" smtClean="0"/>
-              <a:t>7/13/2016</a:t>
+              <a:t>7/14/2016</a:t>
             </a:fld>
             <a:endParaRPr lang="en-US"/>
           </a:p>
@@ -2731,7 +2732,7 @@
           <a:p>
             <a:fld id="{E142100B-909A-4E9A-ABD3-FFD5A5D10F4C}" type="datetimeFigureOut">
               <a:rPr lang="en-US" smtClean="0"/>
-              <a:t>7/13/2016</a:t>
+              <a:t>7/14/2016</a:t>
             </a:fld>
             <a:endParaRPr lang="en-US"/>
           </a:p>
@@ -2944,7 +2945,7 @@
           <a:p>
             <a:fld id="{E142100B-909A-4E9A-ABD3-FFD5A5D10F4C}" type="datetimeFigureOut">
               <a:rPr lang="en-US" smtClean="0"/>
-              <a:t>7/13/2016</a:t>
+              <a:t>7/14/2016</a:t>
             </a:fld>
             <a:endParaRPr lang="en-US"/>
           </a:p>
@@ -3351,44 +3352,20 @@
       </p:grpSpPr>
       <p:sp>
         <p:nvSpPr>
-          <p:cNvPr id="2" name="Title 1"/>
-          <p:cNvSpPr>
-            <a:spLocks noGrp="1"/>
-          </p:cNvSpPr>
-          <p:nvPr>
-            <p:ph type="ctrTitle"/>
+          <p:cNvPr id="3" name="Subtitle 2"/>
+          <p:cNvSpPr>
+            <a:spLocks noGrp="1"/>
+          </p:cNvSpPr>
+          <p:nvPr>
+            <p:ph type="subTitle" idx="1"/>
           </p:nvPr>
         </p:nvSpPr>
         <p:spPr>
           <a:xfrm>
-            <a:off x="592283" y="1122363"/>
-            <a:ext cx="11087100" cy="2387600"/>
+            <a:off x="1524000" y="2508344"/>
+            <a:ext cx="9144000" cy="1655762"/>
           </a:xfrm>
         </p:spPr>
-        <p:txBody>
-          <a:bodyPr>
-            <a:normAutofit/>
-          </a:bodyPr>
-          <a:lstStyle/>
-          <a:p>
-            <a:r>
-              <a:rPr lang="en-US" sz="3600" cap="all" dirty="0"/>
-              <a:t>melding data with social justice in undergraduate statistics and data science courses</a:t>
-            </a:r>
-          </a:p>
-        </p:txBody>
-      </p:sp>
-      <p:sp>
-        <p:nvSpPr>
-          <p:cNvPr id="3" name="Subtitle 2"/>
-          <p:cNvSpPr>
-            <a:spLocks noGrp="1"/>
-          </p:cNvSpPr>
-          <p:nvPr>
-            <p:ph type="subTitle" idx="1"/>
-          </p:nvPr>
-        </p:nvSpPr>
-        <p:spPr/>
         <p:txBody>
           <a:bodyPr>
             <a:noAutofit/>
@@ -3525,57 +3502,345 @@
           <a:chExt cx="0" cy="0"/>
         </a:xfrm>
       </p:grpSpPr>
-      <p:pic>
-        <p:nvPicPr>
-          <p:cNvPr id="2" name="Picture 1"/>
-          <p:cNvPicPr>
-            <a:picLocks noChangeAspect="1"/>
-          </p:cNvPicPr>
-          <p:nvPr/>
-        </p:nvPicPr>
-        <p:blipFill>
-          <a:blip r:embed="rId2"/>
-          <a:stretch>
-            <a:fillRect/>
-          </a:stretch>
-        </p:blipFill>
+      <p:sp>
+        <p:nvSpPr>
+          <p:cNvPr id="2" name="Title 1"/>
+          <p:cNvSpPr>
+            <a:spLocks noGrp="1"/>
+          </p:cNvSpPr>
+          <p:nvPr>
+            <p:ph type="title"/>
+          </p:nvPr>
+        </p:nvSpPr>
         <p:spPr>
           <a:xfrm>
-            <a:off x="1782930" y="120315"/>
-            <a:ext cx="8030087" cy="6557211"/>
+            <a:off x="838200" y="376555"/>
+            <a:ext cx="10515600" cy="1325563"/>
+          </a:xfrm>
+        </p:spPr>
+        <p:txBody>
+          <a:bodyPr>
+            <a:normAutofit/>
+          </a:bodyPr>
+          <a:lstStyle/>
+          <a:p>
+            <a:r>
+              <a:rPr lang="en-US" sz="4800" b="1" dirty="0" smtClean="0"/>
+              <a:t>Part A: Snapshot </a:t>
+            </a:r>
+            <a:r>
+              <a:rPr lang="en-US" sz="4800" b="1" dirty="0"/>
+              <a:t>(cross-sectional)</a:t>
+            </a:r>
+          </a:p>
+        </p:txBody>
+      </p:sp>
+      <p:sp>
+        <p:nvSpPr>
+          <p:cNvPr id="3" name="Slide Number Placeholder 2"/>
+          <p:cNvSpPr>
+            <a:spLocks noGrp="1"/>
+          </p:cNvSpPr>
+          <p:nvPr>
+            <p:ph type="sldNum" sz="quarter" idx="12"/>
+          </p:nvPr>
+        </p:nvSpPr>
+        <p:spPr/>
+        <p:txBody>
+          <a:bodyPr/>
+          <a:lstStyle/>
+          <a:p>
+            <a:fld id="{FB882541-102A-4FCD-9FC7-F3C6CA417EB7}" type="slidenum">
+              <a:rPr lang="en-US" smtClean="0"/>
+              <a:t>10</a:t>
+            </a:fld>
+            <a:endParaRPr lang="en-US"/>
+          </a:p>
+        </p:txBody>
+      </p:sp>
+      <p:sp>
+        <p:nvSpPr>
+          <p:cNvPr id="5" name="Content Placeholder 2"/>
+          <p:cNvSpPr>
+            <a:spLocks noGrp="1"/>
+          </p:cNvSpPr>
+          <p:nvPr>
+            <p:ph idx="1"/>
+          </p:nvPr>
+        </p:nvSpPr>
+        <p:spPr>
+          <a:xfrm>
+            <a:off x="838199" y="1548245"/>
+            <a:ext cx="10872355" cy="4628718"/>
+          </a:xfrm>
+        </p:spPr>
+        <p:txBody>
+          <a:bodyPr>
+            <a:normAutofit/>
+          </a:bodyPr>
+          <a:lstStyle/>
+          <a:p>
+            <a:pPr lvl="1"/>
+            <a:endParaRPr lang="en-US" sz="3600" dirty="0" smtClean="0"/>
+          </a:p>
+          <a:p>
+            <a:pPr lvl="1"/>
+            <a:r>
+              <a:rPr lang="en-US" sz="3600" dirty="0" smtClean="0"/>
+              <a:t>Formal statistical tests (chi-square, 2-sample t-test) to examine racial disparity across:</a:t>
+            </a:r>
+          </a:p>
+          <a:p>
+            <a:pPr lvl="2">
+              <a:buFont typeface="Courier New" panose="02070309020205020404" pitchFamily="49" charset="0"/>
+              <a:buChar char="o"/>
+            </a:pPr>
+            <a:r>
+              <a:rPr lang="en-US" sz="2800" dirty="0" smtClean="0"/>
+              <a:t>Employment status</a:t>
+            </a:r>
+          </a:p>
+          <a:p>
+            <a:pPr lvl="2">
+              <a:buFont typeface="Courier New" panose="02070309020205020404" pitchFamily="49" charset="0"/>
+              <a:buChar char="o"/>
+            </a:pPr>
+            <a:r>
+              <a:rPr lang="en-US" sz="2800" dirty="0" smtClean="0"/>
+              <a:t>Income </a:t>
+            </a:r>
+          </a:p>
+          <a:p>
+            <a:pPr lvl="2">
+              <a:buFont typeface="Courier New" panose="02070309020205020404" pitchFamily="49" charset="0"/>
+              <a:buChar char="o"/>
+            </a:pPr>
+            <a:r>
+              <a:rPr lang="en-US" sz="2800" dirty="0" smtClean="0"/>
+              <a:t>Risk of having a low birth weight infant </a:t>
+            </a:r>
+          </a:p>
+          <a:p>
+            <a:pPr lvl="2">
+              <a:buFont typeface="Courier New" panose="02070309020205020404" pitchFamily="49" charset="0"/>
+              <a:buChar char="o"/>
+            </a:pPr>
+            <a:r>
+              <a:rPr lang="en-US" sz="2800" dirty="0"/>
+              <a:t>N</a:t>
+            </a:r>
+            <a:r>
+              <a:rPr lang="en-US" sz="2800" dirty="0" smtClean="0"/>
+              <a:t>umber of prenatal care visits</a:t>
+            </a:r>
+          </a:p>
+          <a:p>
+            <a:pPr marL="914400" lvl="2" indent="0">
+              <a:buNone/>
+            </a:pPr>
+            <a:endParaRPr lang="en-US" sz="3200" dirty="0" smtClean="0"/>
+          </a:p>
+          <a:p>
+            <a:pPr lvl="1"/>
+            <a:endParaRPr lang="en-US" b="1" dirty="0" smtClean="0"/>
+          </a:p>
+          <a:p>
+            <a:pPr marL="514350" indent="-514350">
+              <a:buFont typeface="+mj-lt"/>
+              <a:buAutoNum type="arabicPeriod"/>
+            </a:pPr>
+            <a:endParaRPr lang="en-US" sz="4000" dirty="0"/>
+          </a:p>
+          <a:p>
+            <a:pPr marL="514350" indent="-514350">
+              <a:buFont typeface="+mj-lt"/>
+              <a:buAutoNum type="arabicPeriod"/>
+            </a:pPr>
+            <a:endParaRPr lang="en-US" sz="3600" dirty="0" smtClean="0"/>
+          </a:p>
+          <a:p>
+            <a:endParaRPr lang="en-US" dirty="0" smtClean="0"/>
+          </a:p>
+          <a:p>
+            <a:pPr lvl="1"/>
+            <a:endParaRPr lang="en-US" dirty="0" smtClean="0"/>
+          </a:p>
+        </p:txBody>
+      </p:sp>
+      <p:sp>
+        <p:nvSpPr>
+          <p:cNvPr id="4" name="Right Brace 3"/>
+          <p:cNvSpPr/>
+          <p:nvPr/>
+        </p:nvSpPr>
+        <p:spPr>
+          <a:xfrm>
+            <a:off x="5273413" y="3371850"/>
+            <a:ext cx="45719" cy="683984"/>
+          </a:xfrm>
+          <a:prstGeom prst="rightBrace">
+            <a:avLst/>
+          </a:prstGeom>
+          <a:ln>
+            <a:solidFill>
+              <a:schemeClr val="tx1"/>
+            </a:solidFill>
+          </a:ln>
+        </p:spPr>
+        <p:style>
+          <a:lnRef idx="1">
+            <a:schemeClr val="accent1"/>
+          </a:lnRef>
+          <a:fillRef idx="0">
+            <a:schemeClr val="accent1"/>
+          </a:fillRef>
+          <a:effectRef idx="0">
+            <a:schemeClr val="accent1"/>
+          </a:effectRef>
+          <a:fontRef idx="minor">
+            <a:schemeClr val="tx1"/>
+          </a:fontRef>
+        </p:style>
+        <p:txBody>
+          <a:bodyPr rtlCol="0" anchor="ctr"/>
+          <a:lstStyle/>
+          <a:p>
+            <a:pPr algn="ctr"/>
+            <a:endParaRPr lang="en-US"/>
+          </a:p>
+        </p:txBody>
+      </p:sp>
+      <p:sp>
+        <p:nvSpPr>
+          <p:cNvPr id="6" name="Right Brace 5"/>
+          <p:cNvSpPr/>
+          <p:nvPr/>
+        </p:nvSpPr>
+        <p:spPr>
+          <a:xfrm>
+            <a:off x="7856220" y="4290174"/>
+            <a:ext cx="45719" cy="651273"/>
+          </a:xfrm>
+          <a:prstGeom prst="rightBrace">
+            <a:avLst/>
+          </a:prstGeom>
+          <a:ln>
+            <a:solidFill>
+              <a:schemeClr val="tx1"/>
+            </a:solidFill>
+          </a:ln>
+        </p:spPr>
+        <p:style>
+          <a:lnRef idx="1">
+            <a:schemeClr val="accent1"/>
+          </a:lnRef>
+          <a:fillRef idx="0">
+            <a:schemeClr val="accent1"/>
+          </a:fillRef>
+          <a:effectRef idx="0">
+            <a:schemeClr val="accent1"/>
+          </a:effectRef>
+          <a:fontRef idx="minor">
+            <a:schemeClr val="tx1"/>
+          </a:fontRef>
+        </p:style>
+        <p:txBody>
+          <a:bodyPr rtlCol="0" anchor="ctr"/>
+          <a:lstStyle/>
+          <a:p>
+            <a:pPr algn="ctr"/>
+            <a:endParaRPr lang="en-US"/>
+          </a:p>
+        </p:txBody>
+      </p:sp>
+      <p:sp>
+        <p:nvSpPr>
+          <p:cNvPr id="7" name="TextBox 6"/>
+          <p:cNvSpPr txBox="1"/>
+          <p:nvPr/>
+        </p:nvSpPr>
+        <p:spPr>
+          <a:xfrm>
+            <a:off x="5572282" y="3570208"/>
+            <a:ext cx="5630900" cy="369332"/>
           </a:xfrm>
           <a:prstGeom prst="rect">
             <a:avLst/>
           </a:prstGeom>
+          <a:noFill/>
         </p:spPr>
-      </p:pic>
-      <p:sp>
-        <p:nvSpPr>
-          <p:cNvPr id="3" name="Slide Number Placeholder 2"/>
-          <p:cNvSpPr>
-            <a:spLocks noGrp="1"/>
-          </p:cNvSpPr>
-          <p:nvPr>
-            <p:ph type="sldNum" sz="quarter" idx="12"/>
-          </p:nvPr>
-        </p:nvSpPr>
-        <p:spPr/>
-        <p:txBody>
-          <a:bodyPr/>
-          <a:lstStyle/>
-          <a:p>
-            <a:fld id="{FB882541-102A-4FCD-9FC7-F3C6CA417EB7}" type="slidenum">
-              <a:rPr lang="en-US" smtClean="0"/>
-              <a:t>10</a:t>
-            </a:fld>
-            <a:endParaRPr lang="en-US"/>
+        <p:txBody>
+          <a:bodyPr wrap="none" rtlCol="0">
+            <a:spAutoFit/>
+          </a:bodyPr>
+          <a:lstStyle/>
+          <a:p>
+            <a:r>
+              <a:rPr lang="en-US" dirty="0" smtClean="0"/>
+              <a:t>Data from </a:t>
+            </a:r>
+            <a:r>
+              <a:rPr lang="en-US" dirty="0" smtClean="0">
+                <a:hlinkClick r:id="rId2"/>
+              </a:rPr>
+              <a:t>American Community Survey using Data </a:t>
+            </a:r>
+            <a:r>
+              <a:rPr lang="en-US" dirty="0" err="1" smtClean="0">
+                <a:hlinkClick r:id="rId2"/>
+              </a:rPr>
+              <a:t>Ferrett</a:t>
+            </a:r>
+            <a:endParaRPr lang="en-US" dirty="0"/>
+          </a:p>
+        </p:txBody>
+      </p:sp>
+      <p:sp>
+        <p:nvSpPr>
+          <p:cNvPr id="8" name="TextBox 7"/>
+          <p:cNvSpPr txBox="1"/>
+          <p:nvPr/>
+        </p:nvSpPr>
+        <p:spPr>
+          <a:xfrm>
+            <a:off x="8209343" y="4295116"/>
+            <a:ext cx="3545713" cy="646331"/>
+          </a:xfrm>
+          <a:prstGeom prst="rect">
+            <a:avLst/>
+          </a:prstGeom>
+          <a:noFill/>
+        </p:spPr>
+        <p:txBody>
+          <a:bodyPr wrap="square" rtlCol="0">
+            <a:spAutoFit/>
+          </a:bodyPr>
+          <a:lstStyle/>
+          <a:p>
+            <a:r>
+              <a:rPr lang="en-US" dirty="0" smtClean="0"/>
+              <a:t>Data from </a:t>
+            </a:r>
+            <a:r>
+              <a:rPr lang="en-US" dirty="0" smtClean="0">
+                <a:hlinkClick r:id="rId3" action="ppaction://hlinkfile"/>
+              </a:rPr>
+              <a:t>North Carolina Vital Statistics </a:t>
+            </a:r>
+            <a:r>
+              <a:rPr lang="en-US" dirty="0" err="1" smtClean="0">
+                <a:hlinkClick r:id="rId3" action="ppaction://hlinkfile"/>
+              </a:rPr>
+              <a:t>Dataverse</a:t>
+            </a:r>
+            <a:endParaRPr lang="en-US" dirty="0"/>
           </a:p>
         </p:txBody>
       </p:sp>
     </p:spTree>
     <p:extLst>
       <p:ext uri="{BB962C8B-B14F-4D97-AF65-F5344CB8AC3E}">
-        <p14:creationId xmlns:p14="http://schemas.microsoft.com/office/powerpoint/2010/main" val="2056216836"/>
+        <p14:creationId xmlns:p14="http://schemas.microsoft.com/office/powerpoint/2010/main" val="428509064"/>
       </p:ext>
     </p:extLst>
   </p:cSld>
@@ -3609,6 +3874,90 @@
           <a:chExt cx="0" cy="0"/>
         </a:xfrm>
       </p:grpSpPr>
+      <p:pic>
+        <p:nvPicPr>
+          <p:cNvPr id="2" name="Picture 1"/>
+          <p:cNvPicPr>
+            <a:picLocks noChangeAspect="1"/>
+          </p:cNvPicPr>
+          <p:nvPr/>
+        </p:nvPicPr>
+        <p:blipFill>
+          <a:blip r:embed="rId2"/>
+          <a:stretch>
+            <a:fillRect/>
+          </a:stretch>
+        </p:blipFill>
+        <p:spPr>
+          <a:xfrm>
+            <a:off x="1782930" y="120315"/>
+            <a:ext cx="8030087" cy="6557211"/>
+          </a:xfrm>
+          <a:prstGeom prst="rect">
+            <a:avLst/>
+          </a:prstGeom>
+        </p:spPr>
+      </p:pic>
+      <p:sp>
+        <p:nvSpPr>
+          <p:cNvPr id="3" name="Slide Number Placeholder 2"/>
+          <p:cNvSpPr>
+            <a:spLocks noGrp="1"/>
+          </p:cNvSpPr>
+          <p:nvPr>
+            <p:ph type="sldNum" sz="quarter" idx="12"/>
+          </p:nvPr>
+        </p:nvSpPr>
+        <p:spPr/>
+        <p:txBody>
+          <a:bodyPr/>
+          <a:lstStyle/>
+          <a:p>
+            <a:fld id="{FB882541-102A-4FCD-9FC7-F3C6CA417EB7}" type="slidenum">
+              <a:rPr lang="en-US" smtClean="0"/>
+              <a:t>11</a:t>
+            </a:fld>
+            <a:endParaRPr lang="en-US"/>
+          </a:p>
+        </p:txBody>
+      </p:sp>
+    </p:spTree>
+    <p:extLst>
+      <p:ext uri="{BB962C8B-B14F-4D97-AF65-F5344CB8AC3E}">
+        <p14:creationId xmlns:p14="http://schemas.microsoft.com/office/powerpoint/2010/main" val="2056216836"/>
+      </p:ext>
+    </p:extLst>
+  </p:cSld>
+  <p:clrMapOvr>
+    <a:masterClrMapping/>
+  </p:clrMapOvr>
+  <p:timing>
+    <p:tnLst>
+      <p:par>
+        <p:cTn id="1" dur="indefinite" restart="never" nodeType="tmRoot"/>
+      </p:par>
+    </p:tnLst>
+  </p:timing>
+</p:sld>
+</file>
+
+<file path=ppt/slides/slide12.xml><?xml version="1.0" encoding="utf-8"?>
+<p:sld xmlns:a="http://schemas.openxmlformats.org/drawingml/2006/main" xmlns:r="http://schemas.openxmlformats.org/officeDocument/2006/relationships" xmlns:p="http://schemas.openxmlformats.org/presentationml/2006/main">
+  <p:cSld>
+    <p:spTree>
+      <p:nvGrpSpPr>
+        <p:cNvPr id="1" name=""/>
+        <p:cNvGrpSpPr/>
+        <p:nvPr/>
+      </p:nvGrpSpPr>
+      <p:grpSpPr>
+        <a:xfrm>
+          <a:off x="0" y="0"/>
+          <a:ext cx="0" cy="0"/>
+          <a:chOff x="0" y="0"/>
+          <a:chExt cx="0" cy="0"/>
+        </a:xfrm>
+      </p:grpSpPr>
       <p:sp>
         <p:nvSpPr>
           <p:cNvPr id="2" name="Title 1"/>
@@ -3633,9 +3982,12 @@
           <a:p>
             <a:r>
               <a:rPr lang="en-US" sz="4800" b="1" dirty="0" smtClean="0"/>
-              <a:t>Introductory statistics: Project #1</a:t>
-            </a:r>
-            <a:endParaRPr lang="en-US" sz="4800" b="1" dirty="0"/>
+              <a:t>Part B: Historic </a:t>
+            </a:r>
+            <a:r>
+              <a:rPr lang="en-US" sz="4800" b="1" dirty="0"/>
+              <a:t>(longitudinal)</a:t>
+            </a:r>
           </a:p>
         </p:txBody>
       </p:sp>
@@ -3656,7 +4008,7 @@
           <a:p>
             <a:fld id="{FB882541-102A-4FCD-9FC7-F3C6CA417EB7}" type="slidenum">
               <a:rPr lang="en-US" smtClean="0"/>
-              <a:t>11</a:t>
+              <a:t>12</a:t>
             </a:fld>
             <a:endParaRPr lang="en-US"/>
           </a:p>
@@ -3687,10 +4039,7 @@
             <a:pPr marL="0" indent="0">
               <a:buNone/>
             </a:pPr>
-            <a:r>
-              <a:rPr lang="en-US" sz="4000" b="1" dirty="0" smtClean="0"/>
-              <a:t>Historic (longitudinal)</a:t>
-            </a:r>
+            <a:endParaRPr lang="en-US" sz="4000" b="1" dirty="0" smtClean="0"/>
           </a:p>
           <a:p>
             <a:pPr lvl="1"/>
@@ -3970,7 +4319,7 @@
 </p:sld>
 </file>
 
-<file path=ppt/slides/slide12.xml><?xml version="1.0" encoding="utf-8"?>
+<file path=ppt/slides/slide13.xml><?xml version="1.0" encoding="utf-8"?>
 <p:sld xmlns:a="http://schemas.openxmlformats.org/drawingml/2006/main" xmlns:r="http://schemas.openxmlformats.org/officeDocument/2006/relationships" xmlns:p="http://schemas.openxmlformats.org/presentationml/2006/main">
   <p:cSld>
     <p:spTree>
@@ -4151,188 +4500,6 @@
 </p:sld>
 </file>
 
-<file path=ppt/slides/slide13.xml><?xml version="1.0" encoding="utf-8"?>
-<p:sld xmlns:a="http://schemas.openxmlformats.org/drawingml/2006/main" xmlns:r="http://schemas.openxmlformats.org/officeDocument/2006/relationships" xmlns:p="http://schemas.openxmlformats.org/presentationml/2006/main">
-  <p:cSld>
-    <p:spTree>
-      <p:nvGrpSpPr>
-        <p:cNvPr id="1" name=""/>
-        <p:cNvGrpSpPr/>
-        <p:nvPr/>
-      </p:nvGrpSpPr>
-      <p:grpSpPr>
-        <a:xfrm>
-          <a:off x="0" y="0"/>
-          <a:ext cx="0" cy="0"/>
-          <a:chOff x="0" y="0"/>
-          <a:chExt cx="0" cy="0"/>
-        </a:xfrm>
-      </p:grpSpPr>
-      <p:sp>
-        <p:nvSpPr>
-          <p:cNvPr id="2" name="Title 1"/>
-          <p:cNvSpPr>
-            <a:spLocks noGrp="1"/>
-          </p:cNvSpPr>
-          <p:nvPr>
-            <p:ph type="title"/>
-          </p:nvPr>
-        </p:nvSpPr>
-        <p:spPr>
-          <a:xfrm>
-            <a:off x="838200" y="376555"/>
-            <a:ext cx="10515600" cy="1325563"/>
-          </a:xfrm>
-        </p:spPr>
-        <p:txBody>
-          <a:bodyPr>
-            <a:normAutofit/>
-          </a:bodyPr>
-          <a:lstStyle/>
-          <a:p>
-            <a:r>
-              <a:rPr lang="en-US" sz="4800" b="1" dirty="0" smtClean="0"/>
-              <a:t>4 Reflection Questions</a:t>
-            </a:r>
-            <a:endParaRPr lang="en-US" sz="4800" b="1" dirty="0"/>
-          </a:p>
-        </p:txBody>
-      </p:sp>
-      <p:sp>
-        <p:nvSpPr>
-          <p:cNvPr id="3" name="Slide Number Placeholder 2"/>
-          <p:cNvSpPr>
-            <a:spLocks noGrp="1"/>
-          </p:cNvSpPr>
-          <p:nvPr>
-            <p:ph type="sldNum" sz="quarter" idx="12"/>
-          </p:nvPr>
-        </p:nvSpPr>
-        <p:spPr/>
-        <p:txBody>
-          <a:bodyPr/>
-          <a:lstStyle/>
-          <a:p>
-            <a:fld id="{FB882541-102A-4FCD-9FC7-F3C6CA417EB7}" type="slidenum">
-              <a:rPr lang="en-US" smtClean="0"/>
-              <a:t>13</a:t>
-            </a:fld>
-            <a:endParaRPr lang="en-US"/>
-          </a:p>
-        </p:txBody>
-      </p:sp>
-      <p:sp>
-        <p:nvSpPr>
-          <p:cNvPr id="5" name="Content Placeholder 2"/>
-          <p:cNvSpPr>
-            <a:spLocks noGrp="1"/>
-          </p:cNvSpPr>
-          <p:nvPr>
-            <p:ph idx="1"/>
-          </p:nvPr>
-        </p:nvSpPr>
-        <p:spPr>
-          <a:xfrm>
-            <a:off x="561109" y="1449098"/>
-            <a:ext cx="10494818" cy="4727865"/>
-          </a:xfrm>
-        </p:spPr>
-        <p:txBody>
-          <a:bodyPr>
-            <a:normAutofit/>
-          </a:bodyPr>
-          <a:lstStyle/>
-          <a:p>
-            <a:pPr lvl="1"/>
-            <a:r>
-              <a:rPr lang="en-US" sz="3500" dirty="0" smtClean="0"/>
-              <a:t>2 questions asked pre- and post- project</a:t>
-            </a:r>
-          </a:p>
-          <a:p>
-            <a:pPr lvl="2"/>
-            <a:r>
-              <a:rPr lang="en-US" sz="3100" dirty="0" smtClean="0"/>
-              <a:t>Inspired by Pew Research article </a:t>
-            </a:r>
-            <a:r>
-              <a:rPr lang="en-US" sz="3100" b="1" dirty="0" smtClean="0"/>
-              <a:t>“King’s Dream Remains an Elusive Goal”</a:t>
-            </a:r>
-            <a:endParaRPr lang="en-US" sz="3100" dirty="0" smtClean="0"/>
-          </a:p>
-          <a:p>
-            <a:pPr lvl="2"/>
-            <a:r>
-              <a:rPr lang="en-US" sz="3000" b="1" dirty="0">
-                <a:hlinkClick r:id="rId2"/>
-              </a:rPr>
-              <a:t>http://pewrsr.ch/1aorx1c</a:t>
-            </a:r>
-            <a:r>
-              <a:rPr lang="en-US" sz="3000" b="1" dirty="0"/>
-              <a:t> </a:t>
-            </a:r>
-          </a:p>
-          <a:p>
-            <a:pPr lvl="2"/>
-            <a:endParaRPr lang="en-US" sz="3000" dirty="0" smtClean="0"/>
-          </a:p>
-          <a:p>
-            <a:pPr lvl="1"/>
-            <a:endParaRPr lang="en-US" sz="3500" b="1" dirty="0" smtClean="0"/>
-          </a:p>
-          <a:p>
-            <a:pPr lvl="1"/>
-            <a:r>
-              <a:rPr lang="en-US" sz="3500" dirty="0" smtClean="0"/>
-              <a:t>2 questions asked post-project only</a:t>
-            </a:r>
-            <a:endParaRPr lang="en-US" sz="3500" dirty="0"/>
-          </a:p>
-          <a:p>
-            <a:pPr marL="514350" indent="-514350">
-              <a:buFont typeface="+mj-lt"/>
-              <a:buAutoNum type="arabicPeriod"/>
-            </a:pPr>
-            <a:endParaRPr lang="en-US" sz="4000" dirty="0"/>
-          </a:p>
-          <a:p>
-            <a:pPr marL="514350" indent="-514350">
-              <a:buFont typeface="+mj-lt"/>
-              <a:buAutoNum type="arabicPeriod"/>
-            </a:pPr>
-            <a:endParaRPr lang="en-US" sz="3600" dirty="0" smtClean="0"/>
-          </a:p>
-          <a:p>
-            <a:endParaRPr lang="en-US" dirty="0" smtClean="0"/>
-          </a:p>
-          <a:p>
-            <a:pPr lvl="1"/>
-            <a:endParaRPr lang="en-US" dirty="0" smtClean="0"/>
-          </a:p>
-        </p:txBody>
-      </p:sp>
-    </p:spTree>
-    <p:extLst>
-      <p:ext uri="{BB962C8B-B14F-4D97-AF65-F5344CB8AC3E}">
-        <p14:creationId xmlns:p14="http://schemas.microsoft.com/office/powerpoint/2010/main" val="2381992610"/>
-      </p:ext>
-    </p:extLst>
-  </p:cSld>
-  <p:clrMapOvr>
-    <a:masterClrMapping/>
-  </p:clrMapOvr>
-  <p:timing>
-    <p:tnLst>
-      <p:par>
-        <p:cTn id="1" dur="indefinite" restart="never" nodeType="tmRoot"/>
-      </p:par>
-    </p:tnLst>
-  </p:timing>
-</p:sld>
-</file>
-
 <file path=ppt/slides/slide14.xml><?xml version="1.0" encoding="utf-8"?>
 <p:sld xmlns:a="http://schemas.openxmlformats.org/drawingml/2006/main" xmlns:r="http://schemas.openxmlformats.org/officeDocument/2006/relationships" xmlns:p="http://schemas.openxmlformats.org/presentationml/2006/main">
   <p:cSld>
@@ -4374,7 +4541,7 @@
           <a:p>
             <a:r>
               <a:rPr lang="en-US" sz="4800" b="1" dirty="0" smtClean="0"/>
-              <a:t>Question #1 (pre- and post-project)</a:t>
+              <a:t>4 Reflection Questions</a:t>
             </a:r>
             <a:endParaRPr lang="en-US" sz="4800" b="1" dirty="0"/>
           </a:p>
@@ -4415,8 +4582,8 @@
         </p:nvSpPr>
         <p:spPr>
           <a:xfrm>
-            <a:off x="838199" y="1449098"/>
-            <a:ext cx="10747665" cy="4577629"/>
+            <a:off x="561109" y="1449098"/>
+            <a:ext cx="7076820" cy="4727865"/>
           </a:xfrm>
         </p:spPr>
         <p:txBody>
@@ -4425,56 +4592,52 @@
           </a:bodyPr>
           <a:lstStyle/>
           <a:p>
-            <a:pPr marL="457200" lvl="1" indent="0">
-              <a:buNone/>
-            </a:pPr>
-            <a:r>
-              <a:rPr lang="en-US" sz="4000" i="1" dirty="0" smtClean="0"/>
-              <a:t>How much progress toward Martin Luther King’s dream of racial equality do you think the U.S. has made over the last 50 years?</a:t>
-            </a:r>
-          </a:p>
-          <a:p>
-            <a:pPr marL="457200" lvl="1" indent="0">
-              <a:buNone/>
-            </a:pPr>
-            <a:endParaRPr lang="en-US" sz="4000" b="1" i="1" dirty="0"/>
-          </a:p>
-          <a:p>
-            <a:pPr marL="457200" lvl="1" indent="0">
-              <a:buNone/>
-            </a:pPr>
-            <a:r>
-              <a:rPr lang="en-US" sz="4000" dirty="0" smtClean="0"/>
-              <a:t>A lot</a:t>
-            </a:r>
-          </a:p>
-          <a:p>
-            <a:pPr marL="457200" lvl="1" indent="0">
-              <a:buNone/>
-            </a:pPr>
-            <a:r>
-              <a:rPr lang="en-US" sz="4000" dirty="0" smtClean="0"/>
-              <a:t>Some</a:t>
-            </a:r>
-          </a:p>
-          <a:p>
-            <a:pPr marL="457200" lvl="1" indent="0">
-              <a:buNone/>
-            </a:pPr>
-            <a:r>
-              <a:rPr lang="en-US" sz="4000" dirty="0" smtClean="0"/>
-              <a:t>A little</a:t>
-            </a:r>
-          </a:p>
-          <a:p>
-            <a:pPr marL="457200" lvl="1" indent="0">
-              <a:buNone/>
-            </a:pPr>
-            <a:r>
-              <a:rPr lang="en-US" sz="4000" dirty="0" smtClean="0"/>
-              <a:t>None at all</a:t>
-            </a:r>
-            <a:endParaRPr lang="en-US" dirty="0" smtClean="0"/>
+            <a:pPr lvl="1"/>
+            <a:r>
+              <a:rPr lang="en-US" sz="3500" dirty="0" smtClean="0"/>
+              <a:t>2 questions asked pre- and post- project</a:t>
+            </a:r>
+          </a:p>
+          <a:p>
+            <a:pPr lvl="2"/>
+            <a:r>
+              <a:rPr lang="en-US" sz="3100" dirty="0" smtClean="0"/>
+              <a:t>Inspired by Pew Research article </a:t>
+            </a:r>
+            <a:r>
+              <a:rPr lang="en-US" sz="3100" b="1" dirty="0" smtClean="0"/>
+              <a:t>“King’s Dream Remains an Elusive Goal”</a:t>
+            </a:r>
+            <a:endParaRPr lang="en-US" sz="3100" dirty="0" smtClean="0"/>
+          </a:p>
+          <a:p>
+            <a:pPr lvl="2"/>
+            <a:r>
+              <a:rPr lang="en-US" sz="3000" b="1" dirty="0">
+                <a:hlinkClick r:id="rId2"/>
+              </a:rPr>
+              <a:t>http://pewrsr.ch/1aorx1c</a:t>
+            </a:r>
+            <a:r>
+              <a:rPr lang="en-US" sz="3000" b="1" dirty="0"/>
+              <a:t> </a:t>
+            </a:r>
+          </a:p>
+          <a:p>
+            <a:pPr lvl="2"/>
+            <a:endParaRPr lang="en-US" sz="3000" dirty="0" smtClean="0"/>
+          </a:p>
+          <a:p>
+            <a:pPr lvl="1"/>
+            <a:endParaRPr lang="en-US" sz="3500" b="1" dirty="0" smtClean="0"/>
+          </a:p>
+          <a:p>
+            <a:pPr lvl="1"/>
+            <a:r>
+              <a:rPr lang="en-US" sz="3500" dirty="0" smtClean="0"/>
+              <a:t>2 questions asked post-project only</a:t>
+            </a:r>
+            <a:endParaRPr lang="en-US" sz="3500" dirty="0"/>
           </a:p>
           <a:p>
             <a:pPr marL="514350" indent="-514350">
@@ -4499,10 +4662,34 @@
           </a:p>
         </p:txBody>
       </p:sp>
+      <p:pic>
+        <p:nvPicPr>
+          <p:cNvPr id="4" name="Picture 3"/>
+          <p:cNvPicPr>
+            <a:picLocks noChangeAspect="1"/>
+          </p:cNvPicPr>
+          <p:nvPr/>
+        </p:nvPicPr>
+        <p:blipFill>
+          <a:blip r:embed="rId3"/>
+          <a:stretch>
+            <a:fillRect/>
+          </a:stretch>
+        </p:blipFill>
+        <p:spPr>
+          <a:xfrm>
+            <a:off x="7986737" y="1631576"/>
+            <a:ext cx="3846563" cy="2941824"/>
+          </a:xfrm>
+          <a:prstGeom prst="rect">
+            <a:avLst/>
+          </a:prstGeom>
+        </p:spPr>
+      </p:pic>
     </p:spTree>
     <p:extLst>
       <p:ext uri="{BB962C8B-B14F-4D97-AF65-F5344CB8AC3E}">
-        <p14:creationId xmlns:p14="http://schemas.microsoft.com/office/powerpoint/2010/main" val="567508397"/>
+        <p14:creationId xmlns:p14="http://schemas.microsoft.com/office/powerpoint/2010/main" val="2381992610"/>
       </p:ext>
     </p:extLst>
   </p:cSld>
@@ -4559,17 +4746,10 @@
           <a:lstStyle/>
           <a:p>
             <a:r>
-              <a:rPr lang="en-US" sz="4800" b="1" dirty="0"/>
-              <a:t>Question </a:t>
-            </a:r>
-            <a:r>
               <a:rPr lang="en-US" sz="4800" b="1" dirty="0" smtClean="0"/>
-              <a:t>#2 </a:t>
-            </a:r>
-            <a:r>
-              <a:rPr lang="en-US" sz="4800" b="1" dirty="0"/>
-              <a:t>(pre- and post-project)</a:t>
-            </a:r>
+              <a:t>Question #1 (pre- and post-project)</a:t>
+            </a:r>
+            <a:endParaRPr lang="en-US" sz="4800" b="1" dirty="0"/>
           </a:p>
         </p:txBody>
       </p:sp>
@@ -4614,7 +4794,7 @@
         </p:spPr>
         <p:txBody>
           <a:bodyPr>
-            <a:normAutofit/>
+            <a:normAutofit lnSpcReduction="10000"/>
           </a:bodyPr>
           <a:lstStyle/>
           <a:p>
@@ -4623,7 +4803,7 @@
             </a:pPr>
             <a:r>
               <a:rPr lang="en-US" sz="4000" i="1" dirty="0" smtClean="0"/>
-              <a:t>How much more needs to be done in order to achieve racial equality?</a:t>
+              <a:t>How much progress toward Martin Luther King’s dream of racial equality do you think the U.S. has made over the last 50 years?</a:t>
             </a:r>
           </a:p>
           <a:p>
@@ -4695,7 +4875,7 @@
     </p:spTree>
     <p:extLst>
       <p:ext uri="{BB962C8B-B14F-4D97-AF65-F5344CB8AC3E}">
-        <p14:creationId xmlns:p14="http://schemas.microsoft.com/office/powerpoint/2010/main" val="3108743973"/>
+        <p14:creationId xmlns:p14="http://schemas.microsoft.com/office/powerpoint/2010/main" val="567508397"/>
       </p:ext>
     </p:extLst>
   </p:cSld>
@@ -4757,9 +4937,12 @@
             </a:r>
             <a:r>
               <a:rPr lang="en-US" sz="4800" b="1" dirty="0" smtClean="0"/>
-              <a:t>#3 (post-project only)</a:t>
-            </a:r>
-            <a:endParaRPr lang="en-US" sz="4800" b="1" dirty="0"/>
+              <a:t>#2 </a:t>
+            </a:r>
+            <a:r>
+              <a:rPr lang="en-US" sz="4800" b="1" dirty="0"/>
+              <a:t>(pre- and post-project)</a:t>
+            </a:r>
           </a:p>
         </p:txBody>
       </p:sp>
@@ -4813,7 +4996,7 @@
             </a:pPr>
             <a:r>
               <a:rPr lang="en-US" sz="4000" i="1" dirty="0" smtClean="0"/>
-              <a:t>I am more informed about the nature of racial inequality having completed this project</a:t>
+              <a:t>How much more needs to be done in order to achieve racial equality?</a:t>
             </a:r>
           </a:p>
           <a:p>
@@ -4828,7 +5011,7 @@
             </a:pPr>
             <a:r>
               <a:rPr lang="en-US" sz="4000" dirty="0" smtClean="0"/>
-              <a:t>Strongly agree</a:t>
+              <a:t>A lot</a:t>
             </a:r>
           </a:p>
           <a:p>
@@ -4837,7 +5020,7 @@
             </a:pPr>
             <a:r>
               <a:rPr lang="en-US" sz="4000" dirty="0" smtClean="0"/>
-              <a:t>Agree</a:t>
+              <a:t>Some</a:t>
             </a:r>
           </a:p>
           <a:p>
@@ -4846,7 +5029,7 @@
             </a:pPr>
             <a:r>
               <a:rPr lang="en-US" sz="4000" dirty="0" smtClean="0"/>
-              <a:t>Disagree</a:t>
+              <a:t>A little</a:t>
             </a:r>
           </a:p>
           <a:p>
@@ -4855,7 +5038,7 @@
             </a:pPr>
             <a:r>
               <a:rPr lang="en-US" sz="4000" dirty="0" smtClean="0"/>
-              <a:t>Strongly disagree</a:t>
+              <a:t>None at all</a:t>
             </a:r>
             <a:endParaRPr lang="en-US" dirty="0" smtClean="0"/>
           </a:p>
@@ -4885,7 +5068,7 @@
     </p:spTree>
     <p:extLst>
       <p:ext uri="{BB962C8B-B14F-4D97-AF65-F5344CB8AC3E}">
-        <p14:creationId xmlns:p14="http://schemas.microsoft.com/office/powerpoint/2010/main" val="1848729444"/>
+        <p14:creationId xmlns:p14="http://schemas.microsoft.com/office/powerpoint/2010/main" val="3108743973"/>
       </p:ext>
     </p:extLst>
   </p:cSld>
@@ -4947,7 +5130,7 @@
             </a:r>
             <a:r>
               <a:rPr lang="en-US" sz="4800" b="1" dirty="0" smtClean="0"/>
-              <a:t>#4 (post-project only)</a:t>
+              <a:t>#3 (post-project only)</a:t>
             </a:r>
             <a:endParaRPr lang="en-US" sz="4800" b="1" dirty="0"/>
           </a:p>
@@ -5003,7 +5186,7 @@
             </a:pPr>
             <a:r>
               <a:rPr lang="en-US" sz="4000" i="1" dirty="0" smtClean="0"/>
-              <a:t>The nature of racial inequality seems more complex after completing the project</a:t>
+              <a:t>I am more informed about the nature of racial inequality having completed this project</a:t>
             </a:r>
           </a:p>
           <a:p>
@@ -5075,7 +5258,7 @@
     </p:spTree>
     <p:extLst>
       <p:ext uri="{BB962C8B-B14F-4D97-AF65-F5344CB8AC3E}">
-        <p14:creationId xmlns:p14="http://schemas.microsoft.com/office/powerpoint/2010/main" val="283883833"/>
+        <p14:creationId xmlns:p14="http://schemas.microsoft.com/office/powerpoint/2010/main" val="1848729444"/>
       </p:ext>
     </p:extLst>
   </p:cSld>
@@ -5132,6 +5315,196 @@
           <a:lstStyle/>
           <a:p>
             <a:r>
+              <a:rPr lang="en-US" sz="4800" b="1" dirty="0"/>
+              <a:t>Question </a:t>
+            </a:r>
+            <a:r>
+              <a:rPr lang="en-US" sz="4800" b="1" dirty="0" smtClean="0"/>
+              <a:t>#4 (post-project only)</a:t>
+            </a:r>
+            <a:endParaRPr lang="en-US" sz="4800" b="1" dirty="0"/>
+          </a:p>
+        </p:txBody>
+      </p:sp>
+      <p:sp>
+        <p:nvSpPr>
+          <p:cNvPr id="3" name="Slide Number Placeholder 2"/>
+          <p:cNvSpPr>
+            <a:spLocks noGrp="1"/>
+          </p:cNvSpPr>
+          <p:nvPr>
+            <p:ph type="sldNum" sz="quarter" idx="12"/>
+          </p:nvPr>
+        </p:nvSpPr>
+        <p:spPr/>
+        <p:txBody>
+          <a:bodyPr/>
+          <a:lstStyle/>
+          <a:p>
+            <a:fld id="{FB882541-102A-4FCD-9FC7-F3C6CA417EB7}" type="slidenum">
+              <a:rPr lang="en-US" smtClean="0"/>
+              <a:t>18</a:t>
+            </a:fld>
+            <a:endParaRPr lang="en-US"/>
+          </a:p>
+        </p:txBody>
+      </p:sp>
+      <p:sp>
+        <p:nvSpPr>
+          <p:cNvPr id="5" name="Content Placeholder 2"/>
+          <p:cNvSpPr>
+            <a:spLocks noGrp="1"/>
+          </p:cNvSpPr>
+          <p:nvPr>
+            <p:ph idx="1"/>
+          </p:nvPr>
+        </p:nvSpPr>
+        <p:spPr>
+          <a:xfrm>
+            <a:off x="838199" y="1449098"/>
+            <a:ext cx="10747665" cy="4577629"/>
+          </a:xfrm>
+        </p:spPr>
+        <p:txBody>
+          <a:bodyPr>
+            <a:normAutofit/>
+          </a:bodyPr>
+          <a:lstStyle/>
+          <a:p>
+            <a:pPr marL="457200" lvl="1" indent="0">
+              <a:buNone/>
+            </a:pPr>
+            <a:r>
+              <a:rPr lang="en-US" sz="4000" i="1" dirty="0" smtClean="0"/>
+              <a:t>The nature of racial inequality seems more complex after completing the project</a:t>
+            </a:r>
+          </a:p>
+          <a:p>
+            <a:pPr marL="457200" lvl="1" indent="0">
+              <a:buNone/>
+            </a:pPr>
+            <a:endParaRPr lang="en-US" sz="4000" b="1" i="1" dirty="0"/>
+          </a:p>
+          <a:p>
+            <a:pPr marL="457200" lvl="1" indent="0">
+              <a:buNone/>
+            </a:pPr>
+            <a:r>
+              <a:rPr lang="en-US" sz="4000" dirty="0" smtClean="0"/>
+              <a:t>Strongly agree</a:t>
+            </a:r>
+          </a:p>
+          <a:p>
+            <a:pPr marL="457200" lvl="1" indent="0">
+              <a:buNone/>
+            </a:pPr>
+            <a:r>
+              <a:rPr lang="en-US" sz="4000" dirty="0" smtClean="0"/>
+              <a:t>Agree</a:t>
+            </a:r>
+          </a:p>
+          <a:p>
+            <a:pPr marL="457200" lvl="1" indent="0">
+              <a:buNone/>
+            </a:pPr>
+            <a:r>
+              <a:rPr lang="en-US" sz="4000" dirty="0" smtClean="0"/>
+              <a:t>Disagree</a:t>
+            </a:r>
+          </a:p>
+          <a:p>
+            <a:pPr marL="457200" lvl="1" indent="0">
+              <a:buNone/>
+            </a:pPr>
+            <a:r>
+              <a:rPr lang="en-US" sz="4000" dirty="0" smtClean="0"/>
+              <a:t>Strongly disagree</a:t>
+            </a:r>
+            <a:endParaRPr lang="en-US" dirty="0" smtClean="0"/>
+          </a:p>
+          <a:p>
+            <a:pPr marL="514350" indent="-514350">
+              <a:buFont typeface="+mj-lt"/>
+              <a:buAutoNum type="arabicPeriod"/>
+            </a:pPr>
+            <a:endParaRPr lang="en-US" sz="4000" dirty="0"/>
+          </a:p>
+          <a:p>
+            <a:pPr marL="514350" indent="-514350">
+              <a:buFont typeface="+mj-lt"/>
+              <a:buAutoNum type="arabicPeriod"/>
+            </a:pPr>
+            <a:endParaRPr lang="en-US" sz="3600" dirty="0" smtClean="0"/>
+          </a:p>
+          <a:p>
+            <a:endParaRPr lang="en-US" dirty="0" smtClean="0"/>
+          </a:p>
+          <a:p>
+            <a:pPr lvl="1"/>
+            <a:endParaRPr lang="en-US" dirty="0" smtClean="0"/>
+          </a:p>
+        </p:txBody>
+      </p:sp>
+    </p:spTree>
+    <p:extLst>
+      <p:ext uri="{BB962C8B-B14F-4D97-AF65-F5344CB8AC3E}">
+        <p14:creationId xmlns:p14="http://schemas.microsoft.com/office/powerpoint/2010/main" val="283883833"/>
+      </p:ext>
+    </p:extLst>
+  </p:cSld>
+  <p:clrMapOvr>
+    <a:masterClrMapping/>
+  </p:clrMapOvr>
+  <p:timing>
+    <p:tnLst>
+      <p:par>
+        <p:cTn id="1" dur="indefinite" restart="never" nodeType="tmRoot"/>
+      </p:par>
+    </p:tnLst>
+  </p:timing>
+</p:sld>
+</file>
+
+<file path=ppt/slides/slide19.xml><?xml version="1.0" encoding="utf-8"?>
+<p:sld xmlns:a="http://schemas.openxmlformats.org/drawingml/2006/main" xmlns:r="http://schemas.openxmlformats.org/officeDocument/2006/relationships" xmlns:p="http://schemas.openxmlformats.org/presentationml/2006/main">
+  <p:cSld>
+    <p:spTree>
+      <p:nvGrpSpPr>
+        <p:cNvPr id="1" name=""/>
+        <p:cNvGrpSpPr/>
+        <p:nvPr/>
+      </p:nvGrpSpPr>
+      <p:grpSpPr>
+        <a:xfrm>
+          <a:off x="0" y="0"/>
+          <a:ext cx="0" cy="0"/>
+          <a:chOff x="0" y="0"/>
+          <a:chExt cx="0" cy="0"/>
+        </a:xfrm>
+      </p:grpSpPr>
+      <p:sp>
+        <p:nvSpPr>
+          <p:cNvPr id="2" name="Title 1"/>
+          <p:cNvSpPr>
+            <a:spLocks noGrp="1"/>
+          </p:cNvSpPr>
+          <p:nvPr>
+            <p:ph type="title"/>
+          </p:nvPr>
+        </p:nvSpPr>
+        <p:spPr>
+          <a:xfrm>
+            <a:off x="838200" y="376555"/>
+            <a:ext cx="10515600" cy="1325563"/>
+          </a:xfrm>
+        </p:spPr>
+        <p:txBody>
+          <a:bodyPr>
+            <a:normAutofit/>
+          </a:bodyPr>
+          <a:lstStyle/>
+          <a:p>
+            <a:r>
               <a:rPr lang="en-US" sz="4800" b="1" dirty="0" smtClean="0"/>
               <a:t>Question #1 (pre- and post-project)</a:t>
             </a:r>
@@ -5156,7 +5529,7 @@
           <a:p>
             <a:fld id="{FB882541-102A-4FCD-9FC7-F3C6CA417EB7}" type="slidenum">
               <a:rPr lang="en-US" smtClean="0"/>
-              <a:t>18</a:t>
+              <a:t>19</a:t>
             </a:fld>
             <a:endParaRPr lang="en-US"/>
           </a:p>
@@ -6196,7 +6569,7 @@
 </p:sld>
 </file>
 
-<file path=ppt/slides/slide19.xml><?xml version="1.0" encoding="utf-8"?>
+<file path=ppt/slides/slide2.xml><?xml version="1.0" encoding="utf-8"?>
 <p:sld xmlns:a="http://schemas.openxmlformats.org/drawingml/2006/main" xmlns:r="http://schemas.openxmlformats.org/officeDocument/2006/relationships" xmlns:p="http://schemas.openxmlformats.org/presentationml/2006/main">
   <p:cSld>
     <p:spTree>
@@ -6213,6 +6586,214 @@
           <a:chExt cx="0" cy="0"/>
         </a:xfrm>
       </p:grpSpPr>
+      <p:pic>
+        <p:nvPicPr>
+          <p:cNvPr id="2050" name="Picture 2" descr="http://feelgrafix.com/data/united-states/United-States-3.jpg"/>
+          <p:cNvPicPr>
+            <a:picLocks noChangeAspect="1" noChangeArrowheads="1"/>
+          </p:cNvPicPr>
+          <p:nvPr/>
+        </p:nvPicPr>
+        <p:blipFill>
+          <a:blip r:embed="rId2">
+            <a:extLst>
+              <a:ext uri="{28A0092B-C50C-407E-A947-70E740481C1C}">
+                <a14:useLocalDpi xmlns:a14="http://schemas.microsoft.com/office/drawing/2010/main" val="0"/>
+              </a:ext>
+            </a:extLst>
+          </a:blip>
+          <a:srcRect/>
+          <a:stretch>
+            <a:fillRect/>
+          </a:stretch>
+        </p:blipFill>
+        <p:spPr bwMode="auto">
+          <a:xfrm>
+            <a:off x="2793547" y="160020"/>
+            <a:ext cx="5499430" cy="3394710"/>
+          </a:xfrm>
+          <a:prstGeom prst="rect">
+            <a:avLst/>
+          </a:prstGeom>
+          <a:noFill/>
+          <a:extLst>
+            <a:ext uri="{909E8E84-426E-40DD-AFC4-6F175D3DCCD1}">
+              <a14:hiddenFill xmlns:a14="http://schemas.microsoft.com/office/drawing/2010/main">
+                <a:solidFill>
+                  <a:srgbClr val="FFFFFF"/>
+                </a:solidFill>
+              </a14:hiddenFill>
+            </a:ext>
+          </a:extLst>
+        </p:spPr>
+      </p:pic>
+      <p:pic>
+        <p:nvPicPr>
+          <p:cNvPr id="2052" name="Picture 4" descr="http://mspmag.com/getattachment/ba184521-212a-46f5-9431-8eb4cfadc0b4/1012-winona1_640s.jpg"/>
+          <p:cNvPicPr>
+            <a:picLocks noChangeAspect="1" noChangeArrowheads="1"/>
+          </p:cNvPicPr>
+          <p:nvPr/>
+        </p:nvPicPr>
+        <p:blipFill>
+          <a:blip r:embed="rId3">
+            <a:extLst>
+              <a:ext uri="{28A0092B-C50C-407E-A947-70E740481C1C}">
+                <a14:useLocalDpi xmlns:a14="http://schemas.microsoft.com/office/drawing/2010/main" val="0"/>
+              </a:ext>
+            </a:extLst>
+          </a:blip>
+          <a:srcRect/>
+          <a:stretch>
+            <a:fillRect/>
+          </a:stretch>
+        </p:blipFill>
+        <p:spPr bwMode="auto">
+          <a:xfrm>
+            <a:off x="6939911" y="3554730"/>
+            <a:ext cx="4756096" cy="2972560"/>
+          </a:xfrm>
+          <a:prstGeom prst="rect">
+            <a:avLst/>
+          </a:prstGeom>
+          <a:noFill/>
+          <a:extLst>
+            <a:ext uri="{909E8E84-426E-40DD-AFC4-6F175D3DCCD1}">
+              <a14:hiddenFill xmlns:a14="http://schemas.microsoft.com/office/drawing/2010/main">
+                <a:solidFill>
+                  <a:srgbClr val="FFFFFF"/>
+                </a:solidFill>
+              </a14:hiddenFill>
+            </a:ext>
+          </a:extLst>
+        </p:spPr>
+      </p:pic>
+      <p:pic>
+        <p:nvPicPr>
+          <p:cNvPr id="4" name="Picture 6" descr="http://www.theinlinegroup.com/winonahealth/images/interstate_bridge.jpg"/>
+          <p:cNvPicPr>
+            <a:picLocks noChangeAspect="1" noChangeArrowheads="1"/>
+          </p:cNvPicPr>
+          <p:nvPr/>
+        </p:nvPicPr>
+        <p:blipFill>
+          <a:blip r:embed="rId4">
+            <a:extLst>
+              <a:ext uri="{28A0092B-C50C-407E-A947-70E740481C1C}">
+                <a14:useLocalDpi xmlns:a14="http://schemas.microsoft.com/office/drawing/2010/main" val="0"/>
+              </a:ext>
+            </a:extLst>
+          </a:blip>
+          <a:srcRect/>
+          <a:stretch>
+            <a:fillRect/>
+          </a:stretch>
+        </p:blipFill>
+        <p:spPr bwMode="auto">
+          <a:xfrm>
+            <a:off x="242109" y="3317701"/>
+            <a:ext cx="4496146" cy="3352699"/>
+          </a:xfrm>
+          <a:prstGeom prst="rect">
+            <a:avLst/>
+          </a:prstGeom>
+          <a:noFill/>
+          <a:extLst>
+            <a:ext uri="{909E8E84-426E-40DD-AFC4-6F175D3DCCD1}">
+              <a14:hiddenFill xmlns:a14="http://schemas.microsoft.com/office/drawing/2010/main">
+                <a:solidFill>
+                  <a:srgbClr val="FFFFFF"/>
+                </a:solidFill>
+              </a14:hiddenFill>
+            </a:ext>
+          </a:extLst>
+        </p:spPr>
+      </p:pic>
+      <p:sp>
+        <p:nvSpPr>
+          <p:cNvPr id="2" name="5-Point Star 1"/>
+          <p:cNvSpPr/>
+          <p:nvPr/>
+        </p:nvSpPr>
+        <p:spPr>
+          <a:xfrm>
+            <a:off x="5936326" y="1108710"/>
+            <a:ext cx="125730" cy="114300"/>
+          </a:xfrm>
+          <a:prstGeom prst="star5">
+            <a:avLst/>
+          </a:prstGeom>
+          <a:solidFill>
+            <a:schemeClr val="tx1"/>
+          </a:solidFill>
+          <a:ln>
+            <a:solidFill>
+              <a:schemeClr val="tx1"/>
+            </a:solidFill>
+          </a:ln>
+        </p:spPr>
+        <p:style>
+          <a:lnRef idx="2">
+            <a:schemeClr val="accent1">
+              <a:shade val="50000"/>
+            </a:schemeClr>
+          </a:lnRef>
+          <a:fillRef idx="1">
+            <a:schemeClr val="accent1"/>
+          </a:fillRef>
+          <a:effectRef idx="0">
+            <a:schemeClr val="accent1"/>
+          </a:effectRef>
+          <a:fontRef idx="minor">
+            <a:schemeClr val="lt1"/>
+          </a:fontRef>
+        </p:style>
+        <p:txBody>
+          <a:bodyPr rtlCol="0" anchor="ctr"/>
+          <a:lstStyle/>
+          <a:p>
+            <a:pPr algn="ctr"/>
+            <a:endParaRPr lang="en-US"/>
+          </a:p>
+        </p:txBody>
+      </p:sp>
+    </p:spTree>
+    <p:extLst>
+      <p:ext uri="{BB962C8B-B14F-4D97-AF65-F5344CB8AC3E}">
+        <p14:creationId xmlns:p14="http://schemas.microsoft.com/office/powerpoint/2010/main" val="2345726595"/>
+      </p:ext>
+    </p:extLst>
+  </p:cSld>
+  <p:clrMapOvr>
+    <a:masterClrMapping/>
+  </p:clrMapOvr>
+  <p:timing>
+    <p:tnLst>
+      <p:par>
+        <p:cTn id="1" dur="indefinite" restart="never" nodeType="tmRoot"/>
+      </p:par>
+    </p:tnLst>
+  </p:timing>
+</p:sld>
+</file>
+
+<file path=ppt/slides/slide20.xml><?xml version="1.0" encoding="utf-8"?>
+<p:sld xmlns:a="http://schemas.openxmlformats.org/drawingml/2006/main" xmlns:r="http://schemas.openxmlformats.org/officeDocument/2006/relationships" xmlns:p="http://schemas.openxmlformats.org/presentationml/2006/main">
+  <p:cSld>
+    <p:spTree>
+      <p:nvGrpSpPr>
+        <p:cNvPr id="1" name=""/>
+        <p:cNvGrpSpPr/>
+        <p:nvPr/>
+      </p:nvGrpSpPr>
+      <p:grpSpPr>
+        <a:xfrm>
+          <a:off x="0" y="0"/>
+          <a:ext cx="0" cy="0"/>
+          <a:chOff x="0" y="0"/>
+          <a:chExt cx="0" cy="0"/>
+        </a:xfrm>
+      </p:grpSpPr>
       <p:sp>
         <p:nvSpPr>
           <p:cNvPr id="2" name="Title 1"/>
@@ -6260,7 +6841,7 @@
           <a:p>
             <a:fld id="{FB882541-102A-4FCD-9FC7-F3C6CA417EB7}" type="slidenum">
               <a:rPr lang="en-US" smtClean="0"/>
-              <a:t>19</a:t>
+              <a:t>20</a:t>
             </a:fld>
             <a:endParaRPr lang="en-US"/>
           </a:p>
@@ -7244,7 +7825,7 @@
 </p:sld>
 </file>
 
-<file path=ppt/slides/slide2.xml><?xml version="1.0" encoding="utf-8"?>
+<file path=ppt/slides/slide21.xml><?xml version="1.0" encoding="utf-8"?>
 <p:sld xmlns:a="http://schemas.openxmlformats.org/drawingml/2006/main" xmlns:r="http://schemas.openxmlformats.org/officeDocument/2006/relationships" xmlns:p="http://schemas.openxmlformats.org/presentationml/2006/main">
   <p:cSld>
     <p:spTree>
@@ -7261,214 +7842,6 @@
           <a:chExt cx="0" cy="0"/>
         </a:xfrm>
       </p:grpSpPr>
-      <p:pic>
-        <p:nvPicPr>
-          <p:cNvPr id="2050" name="Picture 2" descr="http://feelgrafix.com/data/united-states/United-States-3.jpg"/>
-          <p:cNvPicPr>
-            <a:picLocks noChangeAspect="1" noChangeArrowheads="1"/>
-          </p:cNvPicPr>
-          <p:nvPr/>
-        </p:nvPicPr>
-        <p:blipFill>
-          <a:blip r:embed="rId2">
-            <a:extLst>
-              <a:ext uri="{28A0092B-C50C-407E-A947-70E740481C1C}">
-                <a14:useLocalDpi xmlns:a14="http://schemas.microsoft.com/office/drawing/2010/main" val="0"/>
-              </a:ext>
-            </a:extLst>
-          </a:blip>
-          <a:srcRect/>
-          <a:stretch>
-            <a:fillRect/>
-          </a:stretch>
-        </p:blipFill>
-        <p:spPr bwMode="auto">
-          <a:xfrm>
-            <a:off x="2793547" y="160020"/>
-            <a:ext cx="5499430" cy="3394710"/>
-          </a:xfrm>
-          <a:prstGeom prst="rect">
-            <a:avLst/>
-          </a:prstGeom>
-          <a:noFill/>
-          <a:extLst>
-            <a:ext uri="{909E8E84-426E-40DD-AFC4-6F175D3DCCD1}">
-              <a14:hiddenFill xmlns:a14="http://schemas.microsoft.com/office/drawing/2010/main">
-                <a:solidFill>
-                  <a:srgbClr val="FFFFFF"/>
-                </a:solidFill>
-              </a14:hiddenFill>
-            </a:ext>
-          </a:extLst>
-        </p:spPr>
-      </p:pic>
-      <p:pic>
-        <p:nvPicPr>
-          <p:cNvPr id="2052" name="Picture 4" descr="http://mspmag.com/getattachment/ba184521-212a-46f5-9431-8eb4cfadc0b4/1012-winona1_640s.jpg"/>
-          <p:cNvPicPr>
-            <a:picLocks noChangeAspect="1" noChangeArrowheads="1"/>
-          </p:cNvPicPr>
-          <p:nvPr/>
-        </p:nvPicPr>
-        <p:blipFill>
-          <a:blip r:embed="rId3">
-            <a:extLst>
-              <a:ext uri="{28A0092B-C50C-407E-A947-70E740481C1C}">
-                <a14:useLocalDpi xmlns:a14="http://schemas.microsoft.com/office/drawing/2010/main" val="0"/>
-              </a:ext>
-            </a:extLst>
-          </a:blip>
-          <a:srcRect/>
-          <a:stretch>
-            <a:fillRect/>
-          </a:stretch>
-        </p:blipFill>
-        <p:spPr bwMode="auto">
-          <a:xfrm>
-            <a:off x="6939911" y="3554730"/>
-            <a:ext cx="4756096" cy="2972560"/>
-          </a:xfrm>
-          <a:prstGeom prst="rect">
-            <a:avLst/>
-          </a:prstGeom>
-          <a:noFill/>
-          <a:extLst>
-            <a:ext uri="{909E8E84-426E-40DD-AFC4-6F175D3DCCD1}">
-              <a14:hiddenFill xmlns:a14="http://schemas.microsoft.com/office/drawing/2010/main">
-                <a:solidFill>
-                  <a:srgbClr val="FFFFFF"/>
-                </a:solidFill>
-              </a14:hiddenFill>
-            </a:ext>
-          </a:extLst>
-        </p:spPr>
-      </p:pic>
-      <p:pic>
-        <p:nvPicPr>
-          <p:cNvPr id="4" name="Picture 6" descr="http://www.theinlinegroup.com/winonahealth/images/interstate_bridge.jpg"/>
-          <p:cNvPicPr>
-            <a:picLocks noChangeAspect="1" noChangeArrowheads="1"/>
-          </p:cNvPicPr>
-          <p:nvPr/>
-        </p:nvPicPr>
-        <p:blipFill>
-          <a:blip r:embed="rId4">
-            <a:extLst>
-              <a:ext uri="{28A0092B-C50C-407E-A947-70E740481C1C}">
-                <a14:useLocalDpi xmlns:a14="http://schemas.microsoft.com/office/drawing/2010/main" val="0"/>
-              </a:ext>
-            </a:extLst>
-          </a:blip>
-          <a:srcRect/>
-          <a:stretch>
-            <a:fillRect/>
-          </a:stretch>
-        </p:blipFill>
-        <p:spPr bwMode="auto">
-          <a:xfrm>
-            <a:off x="242109" y="3317701"/>
-            <a:ext cx="4496146" cy="3352699"/>
-          </a:xfrm>
-          <a:prstGeom prst="rect">
-            <a:avLst/>
-          </a:prstGeom>
-          <a:noFill/>
-          <a:extLst>
-            <a:ext uri="{909E8E84-426E-40DD-AFC4-6F175D3DCCD1}">
-              <a14:hiddenFill xmlns:a14="http://schemas.microsoft.com/office/drawing/2010/main">
-                <a:solidFill>
-                  <a:srgbClr val="FFFFFF"/>
-                </a:solidFill>
-              </a14:hiddenFill>
-            </a:ext>
-          </a:extLst>
-        </p:spPr>
-      </p:pic>
-      <p:sp>
-        <p:nvSpPr>
-          <p:cNvPr id="2" name="5-Point Star 1"/>
-          <p:cNvSpPr/>
-          <p:nvPr/>
-        </p:nvSpPr>
-        <p:spPr>
-          <a:xfrm>
-            <a:off x="5936326" y="1108710"/>
-            <a:ext cx="125730" cy="114300"/>
-          </a:xfrm>
-          <a:prstGeom prst="star5">
-            <a:avLst/>
-          </a:prstGeom>
-          <a:solidFill>
-            <a:schemeClr val="tx1"/>
-          </a:solidFill>
-          <a:ln>
-            <a:solidFill>
-              <a:schemeClr val="tx1"/>
-            </a:solidFill>
-          </a:ln>
-        </p:spPr>
-        <p:style>
-          <a:lnRef idx="2">
-            <a:schemeClr val="accent1">
-              <a:shade val="50000"/>
-            </a:schemeClr>
-          </a:lnRef>
-          <a:fillRef idx="1">
-            <a:schemeClr val="accent1"/>
-          </a:fillRef>
-          <a:effectRef idx="0">
-            <a:schemeClr val="accent1"/>
-          </a:effectRef>
-          <a:fontRef idx="minor">
-            <a:schemeClr val="lt1"/>
-          </a:fontRef>
-        </p:style>
-        <p:txBody>
-          <a:bodyPr rtlCol="0" anchor="ctr"/>
-          <a:lstStyle/>
-          <a:p>
-            <a:pPr algn="ctr"/>
-            <a:endParaRPr lang="en-US"/>
-          </a:p>
-        </p:txBody>
-      </p:sp>
-    </p:spTree>
-    <p:extLst>
-      <p:ext uri="{BB962C8B-B14F-4D97-AF65-F5344CB8AC3E}">
-        <p14:creationId xmlns:p14="http://schemas.microsoft.com/office/powerpoint/2010/main" val="2345726595"/>
-      </p:ext>
-    </p:extLst>
-  </p:cSld>
-  <p:clrMapOvr>
-    <a:masterClrMapping/>
-  </p:clrMapOvr>
-  <p:timing>
-    <p:tnLst>
-      <p:par>
-        <p:cTn id="1" dur="indefinite" restart="never" nodeType="tmRoot"/>
-      </p:par>
-    </p:tnLst>
-  </p:timing>
-</p:sld>
-</file>
-
-<file path=ppt/slides/slide20.xml><?xml version="1.0" encoding="utf-8"?>
-<p:sld xmlns:a="http://schemas.openxmlformats.org/drawingml/2006/main" xmlns:r="http://schemas.openxmlformats.org/officeDocument/2006/relationships" xmlns:p="http://schemas.openxmlformats.org/presentationml/2006/main">
-  <p:cSld>
-    <p:spTree>
-      <p:nvGrpSpPr>
-        <p:cNvPr id="1" name=""/>
-        <p:cNvGrpSpPr/>
-        <p:nvPr/>
-      </p:nvGrpSpPr>
-      <p:grpSpPr>
-        <a:xfrm>
-          <a:off x="0" y="0"/>
-          <a:ext cx="0" cy="0"/>
-          <a:chOff x="0" y="0"/>
-          <a:chExt cx="0" cy="0"/>
-        </a:xfrm>
-      </p:grpSpPr>
       <p:sp>
         <p:nvSpPr>
           <p:cNvPr id="2" name="Title 1"/>
@@ -7516,7 +7889,7 @@
           <a:p>
             <a:fld id="{FB882541-102A-4FCD-9FC7-F3C6CA417EB7}" type="slidenum">
               <a:rPr lang="en-US" smtClean="0"/>
-              <a:t>20</a:t>
+              <a:t>21</a:t>
             </a:fld>
             <a:endParaRPr lang="en-US"/>
           </a:p>
@@ -7642,7 +8015,7 @@
 </p:sld>
 </file>
 
-<file path=ppt/slides/slide21.xml><?xml version="1.0" encoding="utf-8"?>
+<file path=ppt/slides/slide22.xml><?xml version="1.0" encoding="utf-8"?>
 <p:sld xmlns:a="http://schemas.openxmlformats.org/drawingml/2006/main" xmlns:r="http://schemas.openxmlformats.org/officeDocument/2006/relationships" xmlns:p="http://schemas.openxmlformats.org/presentationml/2006/main">
   <p:cSld>
     <p:spTree>
@@ -7706,7 +8079,7 @@
           <a:p>
             <a:fld id="{FB882541-102A-4FCD-9FC7-F3C6CA417EB7}" type="slidenum">
               <a:rPr lang="en-US" smtClean="0"/>
-              <a:t>21</a:t>
+              <a:t>22</a:t>
             </a:fld>
             <a:endParaRPr lang="en-US"/>
           </a:p>
@@ -7832,7 +8205,7 @@
 </p:sld>
 </file>
 
-<file path=ppt/slides/slide22.xml><?xml version="1.0" encoding="utf-8"?>
+<file path=ppt/slides/slide23.xml><?xml version="1.0" encoding="utf-8"?>
 <p:sld xmlns:a="http://schemas.openxmlformats.org/drawingml/2006/main" xmlns:r="http://schemas.openxmlformats.org/officeDocument/2006/relationships" xmlns:p="http://schemas.openxmlformats.org/presentationml/2006/main">
   <p:cSld>
     <p:spTree>
@@ -7891,7 +8264,7 @@
           <a:p>
             <a:fld id="{FB882541-102A-4FCD-9FC7-F3C6CA417EB7}" type="slidenum">
               <a:rPr lang="en-US" smtClean="0"/>
-              <a:t>22</a:t>
+              <a:t>23</a:t>
             </a:fld>
             <a:endParaRPr lang="en-US"/>
           </a:p>
@@ -8026,7 +8399,7 @@
 </p:sld>
 </file>
 
-<file path=ppt/slides/slide23.xml><?xml version="1.0" encoding="utf-8"?>
+<file path=ppt/slides/slide24.xml><?xml version="1.0" encoding="utf-8"?>
 <p:sld xmlns:a="http://schemas.openxmlformats.org/drawingml/2006/main" xmlns:r="http://schemas.openxmlformats.org/officeDocument/2006/relationships" xmlns:p="http://schemas.openxmlformats.org/presentationml/2006/main">
   <p:cSld>
     <p:spTree>
@@ -8085,7 +8458,7 @@
           <a:p>
             <a:fld id="{FB882541-102A-4FCD-9FC7-F3C6CA417EB7}" type="slidenum">
               <a:rPr lang="en-US" smtClean="0"/>
-              <a:t>23</a:t>
+              <a:t>24</a:t>
             </a:fld>
             <a:endParaRPr lang="en-US"/>
           </a:p>
@@ -8326,7 +8699,7 @@
 </p:sld>
 </file>
 
-<file path=ppt/slides/slide24.xml><?xml version="1.0" encoding="utf-8"?>
+<file path=ppt/slides/slide25.xml><?xml version="1.0" encoding="utf-8"?>
 <p:sld xmlns:a="http://schemas.openxmlformats.org/drawingml/2006/main" xmlns:r="http://schemas.openxmlformats.org/officeDocument/2006/relationships" xmlns:p="http://schemas.openxmlformats.org/presentationml/2006/main">
   <p:cSld>
     <p:spTree>
@@ -8409,7 +8782,7 @@
           <a:p>
             <a:fld id="{FB882541-102A-4FCD-9FC7-F3C6CA417EB7}" type="slidenum">
               <a:rPr lang="en-US" smtClean="0"/>
-              <a:t>24</a:t>
+              <a:t>25</a:t>
             </a:fld>
             <a:endParaRPr lang="en-US"/>
           </a:p>
@@ -8491,7 +8864,7 @@
 </p:sld>
 </file>
 
-<file path=ppt/slides/slide25.xml><?xml version="1.0" encoding="utf-8"?>
+<file path=ppt/slides/slide26.xml><?xml version="1.0" encoding="utf-8"?>
 <p:sld xmlns:a="http://schemas.openxmlformats.org/drawingml/2006/main" xmlns:r="http://schemas.openxmlformats.org/officeDocument/2006/relationships" xmlns:p="http://schemas.openxmlformats.org/presentationml/2006/main">
   <p:cSld>
     <p:spTree>
@@ -8548,7 +8921,7 @@
           <a:p>
             <a:fld id="{FB882541-102A-4FCD-9FC7-F3C6CA417EB7}" type="slidenum">
               <a:rPr lang="en-US" smtClean="0"/>
-              <a:t>25</a:t>
+              <a:t>26</a:t>
             </a:fld>
             <a:endParaRPr lang="en-US"/>
           </a:p>
@@ -8695,149 +9068,6 @@
 </p:sld>
 </file>
 
-<file path=ppt/slides/slide26.xml><?xml version="1.0" encoding="utf-8"?>
-<p:sld xmlns:a="http://schemas.openxmlformats.org/drawingml/2006/main" xmlns:r="http://schemas.openxmlformats.org/officeDocument/2006/relationships" xmlns:p="http://schemas.openxmlformats.org/presentationml/2006/main">
-  <p:cSld>
-    <p:spTree>
-      <p:nvGrpSpPr>
-        <p:cNvPr id="1" name=""/>
-        <p:cNvGrpSpPr/>
-        <p:nvPr/>
-      </p:nvGrpSpPr>
-      <p:grpSpPr>
-        <a:xfrm>
-          <a:off x="0" y="0"/>
-          <a:ext cx="0" cy="0"/>
-          <a:chOff x="0" y="0"/>
-          <a:chExt cx="0" cy="0"/>
-        </a:xfrm>
-      </p:grpSpPr>
-      <p:sp>
-        <p:nvSpPr>
-          <p:cNvPr id="3" name="Content Placeholder 2"/>
-          <p:cNvSpPr>
-            <a:spLocks noGrp="1"/>
-          </p:cNvSpPr>
-          <p:nvPr>
-            <p:ph idx="1"/>
-          </p:nvPr>
-        </p:nvSpPr>
-        <p:spPr>
-          <a:xfrm>
-            <a:off x="777240" y="1748790"/>
-            <a:ext cx="10576560" cy="4428173"/>
-          </a:xfrm>
-        </p:spPr>
-        <p:txBody>
-          <a:bodyPr/>
-          <a:lstStyle/>
-          <a:p>
-            <a:pPr marL="514350" indent="-514350">
-              <a:buFont typeface="+mj-lt"/>
-              <a:buAutoNum type="arabicPeriod"/>
-            </a:pPr>
-            <a:r>
-              <a:rPr lang="en-US" dirty="0"/>
-              <a:t>Write 3-4 sentences summarizing your findings, as if you were reporting them to a WSHS administrator or at a parent-teacher meeting.  What “action steps” might you recommend to school administrators and teachers as a result of your findings</a:t>
-            </a:r>
-            <a:r>
-              <a:rPr lang="en-US" dirty="0" smtClean="0"/>
-              <a:t>?</a:t>
-            </a:r>
-          </a:p>
-          <a:p>
-            <a:pPr marL="514350" indent="-514350">
-              <a:buFont typeface="+mj-lt"/>
-              <a:buAutoNum type="arabicPeriod"/>
-            </a:pPr>
-            <a:endParaRPr lang="en-US" dirty="0" smtClean="0"/>
-          </a:p>
-          <a:p>
-            <a:pPr marL="514350" indent="-514350">
-              <a:buFont typeface="+mj-lt"/>
-              <a:buAutoNum type="arabicPeriod"/>
-            </a:pPr>
-            <a:r>
-              <a:rPr lang="en-US" dirty="0" smtClean="0"/>
-              <a:t>What do you think about using suspension as a method of disciplining bad behavior?  </a:t>
-            </a:r>
-            <a:endParaRPr lang="en-US" dirty="0"/>
-          </a:p>
-        </p:txBody>
-      </p:sp>
-      <p:sp>
-        <p:nvSpPr>
-          <p:cNvPr id="2" name="Slide Number Placeholder 1"/>
-          <p:cNvSpPr>
-            <a:spLocks noGrp="1"/>
-          </p:cNvSpPr>
-          <p:nvPr>
-            <p:ph type="sldNum" sz="quarter" idx="12"/>
-          </p:nvPr>
-        </p:nvSpPr>
-        <p:spPr/>
-        <p:txBody>
-          <a:bodyPr/>
-          <a:lstStyle/>
-          <a:p>
-            <a:fld id="{FB882541-102A-4FCD-9FC7-F3C6CA417EB7}" type="slidenum">
-              <a:rPr lang="en-US" smtClean="0"/>
-              <a:t>26</a:t>
-            </a:fld>
-            <a:endParaRPr lang="en-US"/>
-          </a:p>
-        </p:txBody>
-      </p:sp>
-      <p:sp>
-        <p:nvSpPr>
-          <p:cNvPr id="4" name="Title 1"/>
-          <p:cNvSpPr>
-            <a:spLocks noGrp="1"/>
-          </p:cNvSpPr>
-          <p:nvPr>
-            <p:ph type="title"/>
-          </p:nvPr>
-        </p:nvSpPr>
-        <p:spPr>
-          <a:xfrm>
-            <a:off x="838200" y="365125"/>
-            <a:ext cx="10515600" cy="1325563"/>
-          </a:xfrm>
-        </p:spPr>
-        <p:txBody>
-          <a:bodyPr>
-            <a:normAutofit/>
-          </a:bodyPr>
-          <a:lstStyle/>
-          <a:p>
-            <a:r>
-              <a:rPr lang="en-US" sz="4800" b="1" dirty="0" smtClean="0"/>
-              <a:t>Introductory statistics: Project #2</a:t>
-            </a:r>
-            <a:endParaRPr lang="en-US" sz="4800" dirty="0"/>
-          </a:p>
-        </p:txBody>
-      </p:sp>
-    </p:spTree>
-    <p:extLst>
-      <p:ext uri="{BB962C8B-B14F-4D97-AF65-F5344CB8AC3E}">
-        <p14:creationId xmlns:p14="http://schemas.microsoft.com/office/powerpoint/2010/main" val="3994473904"/>
-      </p:ext>
-    </p:extLst>
-  </p:cSld>
-  <p:clrMapOvr>
-    <a:masterClrMapping/>
-  </p:clrMapOvr>
-  <p:timing>
-    <p:tnLst>
-      <p:par>
-        <p:cTn id="1" dur="indefinite" restart="never" nodeType="tmRoot"/>
-      </p:par>
-    </p:tnLst>
-  </p:timing>
-</p:sld>
-</file>
-
 <file path=ppt/slides/slide27.xml><?xml version="1.0" encoding="utf-8"?>
 <p:sld xmlns:a="http://schemas.openxmlformats.org/drawingml/2006/main" xmlns:r="http://schemas.openxmlformats.org/officeDocument/2006/relationships" xmlns:p="http://schemas.openxmlformats.org/presentationml/2006/main">
   <p:cSld>
@@ -8857,17 +9087,93 @@
       </p:grpSpPr>
       <p:sp>
         <p:nvSpPr>
-          <p:cNvPr id="2" name="Title 1"/>
-          <p:cNvSpPr>
-            <a:spLocks noGrp="1"/>
-          </p:cNvSpPr>
-          <p:nvPr>
-            <p:ph type="title"/>
+          <p:cNvPr id="3" name="Content Placeholder 2"/>
+          <p:cNvSpPr>
+            <a:spLocks noGrp="1"/>
+          </p:cNvSpPr>
+          <p:nvPr>
+            <p:ph idx="1"/>
           </p:nvPr>
         </p:nvSpPr>
         <p:spPr>
           <a:xfrm>
-            <a:off x="838200" y="376555"/>
+            <a:off x="777240" y="1748790"/>
+            <a:ext cx="10576560" cy="4428173"/>
+          </a:xfrm>
+        </p:spPr>
+        <p:txBody>
+          <a:bodyPr/>
+          <a:lstStyle/>
+          <a:p>
+            <a:pPr marL="514350" indent="-514350">
+              <a:buFont typeface="+mj-lt"/>
+              <a:buAutoNum type="arabicPeriod"/>
+            </a:pPr>
+            <a:r>
+              <a:rPr lang="en-US" dirty="0"/>
+              <a:t>Write 3-4 sentences summarizing your findings, as if you were reporting them to a WSHS administrator or at a parent-teacher meeting.  What “action steps” might you recommend to school administrators and teachers as a result of your findings</a:t>
+            </a:r>
+            <a:r>
+              <a:rPr lang="en-US" dirty="0" smtClean="0"/>
+              <a:t>?</a:t>
+            </a:r>
+          </a:p>
+          <a:p>
+            <a:pPr marL="514350" indent="-514350">
+              <a:buFont typeface="+mj-lt"/>
+              <a:buAutoNum type="arabicPeriod"/>
+            </a:pPr>
+            <a:endParaRPr lang="en-US" dirty="0" smtClean="0"/>
+          </a:p>
+          <a:p>
+            <a:pPr marL="514350" indent="-514350">
+              <a:buFont typeface="+mj-lt"/>
+              <a:buAutoNum type="arabicPeriod"/>
+            </a:pPr>
+            <a:r>
+              <a:rPr lang="en-US" dirty="0" smtClean="0"/>
+              <a:t>What do you think about using suspension as a method of disciplining bad behavior?  </a:t>
+            </a:r>
+            <a:endParaRPr lang="en-US" dirty="0"/>
+          </a:p>
+        </p:txBody>
+      </p:sp>
+      <p:sp>
+        <p:nvSpPr>
+          <p:cNvPr id="2" name="Slide Number Placeholder 1"/>
+          <p:cNvSpPr>
+            <a:spLocks noGrp="1"/>
+          </p:cNvSpPr>
+          <p:nvPr>
+            <p:ph type="sldNum" sz="quarter" idx="12"/>
+          </p:nvPr>
+        </p:nvSpPr>
+        <p:spPr/>
+        <p:txBody>
+          <a:bodyPr/>
+          <a:lstStyle/>
+          <a:p>
+            <a:fld id="{FB882541-102A-4FCD-9FC7-F3C6CA417EB7}" type="slidenum">
+              <a:rPr lang="en-US" smtClean="0"/>
+              <a:t>27</a:t>
+            </a:fld>
+            <a:endParaRPr lang="en-US"/>
+          </a:p>
+        </p:txBody>
+      </p:sp>
+      <p:sp>
+        <p:nvSpPr>
+          <p:cNvPr id="4" name="Title 1"/>
+          <p:cNvSpPr>
+            <a:spLocks noGrp="1"/>
+          </p:cNvSpPr>
+          <p:nvPr>
+            <p:ph type="title"/>
+          </p:nvPr>
+        </p:nvSpPr>
+        <p:spPr>
+          <a:xfrm>
+            <a:off x="838200" y="365125"/>
             <a:ext cx="10515600" cy="1325563"/>
           </a:xfrm>
         </p:spPr>
@@ -8879,143 +9185,16 @@
           <a:p>
             <a:r>
               <a:rPr lang="en-US" sz="4800" b="1" dirty="0" smtClean="0"/>
-              <a:t>Future work</a:t>
-            </a:r>
-            <a:endParaRPr lang="en-US" sz="4800" b="1" dirty="0"/>
-          </a:p>
-        </p:txBody>
-      </p:sp>
-      <p:sp>
-        <p:nvSpPr>
-          <p:cNvPr id="3" name="Slide Number Placeholder 2"/>
-          <p:cNvSpPr>
-            <a:spLocks noGrp="1"/>
-          </p:cNvSpPr>
-          <p:nvPr>
-            <p:ph type="sldNum" sz="quarter" idx="12"/>
-          </p:nvPr>
-        </p:nvSpPr>
-        <p:spPr/>
-        <p:txBody>
-          <a:bodyPr/>
-          <a:lstStyle/>
-          <a:p>
-            <a:fld id="{FB882541-102A-4FCD-9FC7-F3C6CA417EB7}" type="slidenum">
-              <a:rPr lang="en-US" smtClean="0"/>
-              <a:t>27</a:t>
-            </a:fld>
-            <a:endParaRPr lang="en-US"/>
-          </a:p>
-        </p:txBody>
-      </p:sp>
-      <p:sp>
-        <p:nvSpPr>
-          <p:cNvPr id="5" name="Content Placeholder 2"/>
-          <p:cNvSpPr>
-            <a:spLocks noGrp="1"/>
-          </p:cNvSpPr>
-          <p:nvPr>
-            <p:ph idx="1"/>
-          </p:nvPr>
-        </p:nvSpPr>
-        <p:spPr>
-          <a:xfrm>
-            <a:off x="838199" y="1449098"/>
-            <a:ext cx="10747665" cy="4577629"/>
-          </a:xfrm>
-        </p:spPr>
-        <p:txBody>
-          <a:bodyPr>
-            <a:normAutofit fontScale="85000" lnSpcReduction="20000"/>
-          </a:bodyPr>
-          <a:lstStyle/>
-          <a:p>
-            <a:r>
-              <a:rPr lang="en-US" sz="4000" dirty="0" smtClean="0"/>
-              <a:t>Change pre-/post-project approach to pre-/post-course?</a:t>
-            </a:r>
-          </a:p>
-          <a:p>
-            <a:pPr marL="0" indent="0">
-              <a:buNone/>
-            </a:pPr>
-            <a:endParaRPr lang="en-US" sz="4000" dirty="0"/>
-          </a:p>
-          <a:p>
-            <a:endParaRPr lang="en-US" sz="4000" dirty="0"/>
-          </a:p>
-          <a:p>
-            <a:r>
-              <a:rPr lang="en-US" sz="4000" dirty="0"/>
-              <a:t>Attempt to better understand how student definitions of “racial inequity” change as a result of quantitative </a:t>
-            </a:r>
-            <a:r>
-              <a:rPr lang="en-US" sz="4000" dirty="0" smtClean="0"/>
-              <a:t>treatment of racial inequity across an entire course</a:t>
-            </a:r>
-          </a:p>
-          <a:p>
-            <a:endParaRPr lang="en-US" sz="4000" dirty="0"/>
-          </a:p>
-          <a:p>
-            <a:endParaRPr lang="en-US" sz="4000" dirty="0" smtClean="0"/>
-          </a:p>
-          <a:p>
-            <a:r>
-              <a:rPr lang="en-US" sz="4000" dirty="0"/>
-              <a:t>Include incarceration data</a:t>
-            </a:r>
-          </a:p>
-          <a:p>
-            <a:endParaRPr lang="en-US" sz="4000" dirty="0"/>
-          </a:p>
-          <a:p>
-            <a:endParaRPr lang="en-US" sz="4000" dirty="0" smtClean="0"/>
-          </a:p>
-          <a:p>
-            <a:pPr marL="0" indent="0">
-              <a:buNone/>
-            </a:pPr>
-            <a:endParaRPr lang="en-US" sz="4000" dirty="0"/>
-          </a:p>
-          <a:p>
-            <a:pPr marL="0" indent="0">
-              <a:buNone/>
-            </a:pPr>
-            <a:endParaRPr lang="en-US" sz="4000" dirty="0" smtClean="0"/>
-          </a:p>
-          <a:p>
-            <a:pPr marL="0" indent="0">
-              <a:buNone/>
-            </a:pPr>
-            <a:endParaRPr lang="en-US" sz="4000" dirty="0" smtClean="0"/>
-          </a:p>
-          <a:p>
-            <a:pPr marL="0" indent="0">
-              <a:buNone/>
-            </a:pPr>
-            <a:endParaRPr lang="en-US" sz="4000" dirty="0"/>
-          </a:p>
-          <a:p>
-            <a:pPr marL="514350" indent="-514350">
-              <a:buFont typeface="+mj-lt"/>
-              <a:buAutoNum type="arabicPeriod"/>
-            </a:pPr>
-            <a:endParaRPr lang="en-US" sz="3600" dirty="0" smtClean="0"/>
-          </a:p>
-          <a:p>
-            <a:endParaRPr lang="en-US" dirty="0" smtClean="0"/>
-          </a:p>
-          <a:p>
-            <a:pPr lvl="1"/>
-            <a:endParaRPr lang="en-US" dirty="0" smtClean="0"/>
+              <a:t>Introductory statistics: Project #2</a:t>
+            </a:r>
+            <a:endParaRPr lang="en-US" sz="4800" dirty="0"/>
           </a:p>
         </p:txBody>
       </p:sp>
     </p:spTree>
     <p:extLst>
       <p:ext uri="{BB962C8B-B14F-4D97-AF65-F5344CB8AC3E}">
-        <p14:creationId xmlns:p14="http://schemas.microsoft.com/office/powerpoint/2010/main" val="505727743"/>
+        <p14:creationId xmlns:p14="http://schemas.microsoft.com/office/powerpoint/2010/main" val="3994473904"/>
       </p:ext>
     </p:extLst>
   </p:cSld>
@@ -9051,6 +9230,200 @@
       </p:grpSpPr>
       <p:sp>
         <p:nvSpPr>
+          <p:cNvPr id="2" name="Title 1"/>
+          <p:cNvSpPr>
+            <a:spLocks noGrp="1"/>
+          </p:cNvSpPr>
+          <p:nvPr>
+            <p:ph type="title"/>
+          </p:nvPr>
+        </p:nvSpPr>
+        <p:spPr>
+          <a:xfrm>
+            <a:off x="838200" y="376555"/>
+            <a:ext cx="10515600" cy="1325563"/>
+          </a:xfrm>
+        </p:spPr>
+        <p:txBody>
+          <a:bodyPr>
+            <a:normAutofit/>
+          </a:bodyPr>
+          <a:lstStyle/>
+          <a:p>
+            <a:r>
+              <a:rPr lang="en-US" sz="4800" b="1" dirty="0" smtClean="0"/>
+              <a:t>Future work</a:t>
+            </a:r>
+            <a:endParaRPr lang="en-US" sz="4800" b="1" dirty="0"/>
+          </a:p>
+        </p:txBody>
+      </p:sp>
+      <p:sp>
+        <p:nvSpPr>
+          <p:cNvPr id="3" name="Slide Number Placeholder 2"/>
+          <p:cNvSpPr>
+            <a:spLocks noGrp="1"/>
+          </p:cNvSpPr>
+          <p:nvPr>
+            <p:ph type="sldNum" sz="quarter" idx="12"/>
+          </p:nvPr>
+        </p:nvSpPr>
+        <p:spPr/>
+        <p:txBody>
+          <a:bodyPr/>
+          <a:lstStyle/>
+          <a:p>
+            <a:fld id="{FB882541-102A-4FCD-9FC7-F3C6CA417EB7}" type="slidenum">
+              <a:rPr lang="en-US" smtClean="0"/>
+              <a:t>28</a:t>
+            </a:fld>
+            <a:endParaRPr lang="en-US"/>
+          </a:p>
+        </p:txBody>
+      </p:sp>
+      <p:sp>
+        <p:nvSpPr>
+          <p:cNvPr id="5" name="Content Placeholder 2"/>
+          <p:cNvSpPr>
+            <a:spLocks noGrp="1"/>
+          </p:cNvSpPr>
+          <p:nvPr>
+            <p:ph idx="1"/>
+          </p:nvPr>
+        </p:nvSpPr>
+        <p:spPr>
+          <a:xfrm>
+            <a:off x="838199" y="1449098"/>
+            <a:ext cx="10747665" cy="4577629"/>
+          </a:xfrm>
+        </p:spPr>
+        <p:txBody>
+          <a:bodyPr>
+            <a:normAutofit fontScale="85000" lnSpcReduction="20000"/>
+          </a:bodyPr>
+          <a:lstStyle/>
+          <a:p>
+            <a:r>
+              <a:rPr lang="en-US" sz="4000" dirty="0" smtClean="0"/>
+              <a:t>Change pre-/post-project approach to pre-/post-course?</a:t>
+            </a:r>
+          </a:p>
+          <a:p>
+            <a:pPr marL="0" indent="0">
+              <a:buNone/>
+            </a:pPr>
+            <a:endParaRPr lang="en-US" sz="4000" dirty="0"/>
+          </a:p>
+          <a:p>
+            <a:endParaRPr lang="en-US" sz="4000" dirty="0"/>
+          </a:p>
+          <a:p>
+            <a:r>
+              <a:rPr lang="en-US" sz="4000" dirty="0"/>
+              <a:t>Attempt to better understand how student definitions of “racial inequity” change as a result of quantitative </a:t>
+            </a:r>
+            <a:r>
+              <a:rPr lang="en-US" sz="4000" dirty="0" smtClean="0"/>
+              <a:t>treatment of racial inequity across an entire course</a:t>
+            </a:r>
+          </a:p>
+          <a:p>
+            <a:endParaRPr lang="en-US" sz="4000" dirty="0"/>
+          </a:p>
+          <a:p>
+            <a:endParaRPr lang="en-US" sz="4000" dirty="0" smtClean="0"/>
+          </a:p>
+          <a:p>
+            <a:r>
+              <a:rPr lang="en-US" sz="4000" dirty="0"/>
+              <a:t>Include incarceration data</a:t>
+            </a:r>
+          </a:p>
+          <a:p>
+            <a:endParaRPr lang="en-US" sz="4000" dirty="0"/>
+          </a:p>
+          <a:p>
+            <a:endParaRPr lang="en-US" sz="4000" dirty="0" smtClean="0"/>
+          </a:p>
+          <a:p>
+            <a:pPr marL="0" indent="0">
+              <a:buNone/>
+            </a:pPr>
+            <a:endParaRPr lang="en-US" sz="4000" dirty="0"/>
+          </a:p>
+          <a:p>
+            <a:pPr marL="0" indent="0">
+              <a:buNone/>
+            </a:pPr>
+            <a:endParaRPr lang="en-US" sz="4000" dirty="0" smtClean="0"/>
+          </a:p>
+          <a:p>
+            <a:pPr marL="0" indent="0">
+              <a:buNone/>
+            </a:pPr>
+            <a:endParaRPr lang="en-US" sz="4000" dirty="0" smtClean="0"/>
+          </a:p>
+          <a:p>
+            <a:pPr marL="0" indent="0">
+              <a:buNone/>
+            </a:pPr>
+            <a:endParaRPr lang="en-US" sz="4000" dirty="0"/>
+          </a:p>
+          <a:p>
+            <a:pPr marL="514350" indent="-514350">
+              <a:buFont typeface="+mj-lt"/>
+              <a:buAutoNum type="arabicPeriod"/>
+            </a:pPr>
+            <a:endParaRPr lang="en-US" sz="3600" dirty="0" smtClean="0"/>
+          </a:p>
+          <a:p>
+            <a:endParaRPr lang="en-US" dirty="0" smtClean="0"/>
+          </a:p>
+          <a:p>
+            <a:pPr lvl="1"/>
+            <a:endParaRPr lang="en-US" dirty="0" smtClean="0"/>
+          </a:p>
+        </p:txBody>
+      </p:sp>
+    </p:spTree>
+    <p:extLst>
+      <p:ext uri="{BB962C8B-B14F-4D97-AF65-F5344CB8AC3E}">
+        <p14:creationId xmlns:p14="http://schemas.microsoft.com/office/powerpoint/2010/main" val="505727743"/>
+      </p:ext>
+    </p:extLst>
+  </p:cSld>
+  <p:clrMapOvr>
+    <a:masterClrMapping/>
+  </p:clrMapOvr>
+  <p:timing>
+    <p:tnLst>
+      <p:par>
+        <p:cTn id="1" dur="indefinite" restart="never" nodeType="tmRoot"/>
+      </p:par>
+    </p:tnLst>
+  </p:timing>
+</p:sld>
+</file>
+
+<file path=ppt/slides/slide29.xml><?xml version="1.0" encoding="utf-8"?>
+<p:sld xmlns:a="http://schemas.openxmlformats.org/drawingml/2006/main" xmlns:r="http://schemas.openxmlformats.org/officeDocument/2006/relationships" xmlns:p="http://schemas.openxmlformats.org/presentationml/2006/main">
+  <p:cSld>
+    <p:spTree>
+      <p:nvGrpSpPr>
+        <p:cNvPr id="1" name=""/>
+        <p:cNvGrpSpPr/>
+        <p:nvPr/>
+      </p:nvGrpSpPr>
+      <p:grpSpPr>
+        <a:xfrm>
+          <a:off x="0" y="0"/>
+          <a:ext cx="0" cy="0"/>
+          <a:chOff x="0" y="0"/>
+          <a:chExt cx="0" cy="0"/>
+        </a:xfrm>
+      </p:grpSpPr>
+      <p:sp>
+        <p:nvSpPr>
           <p:cNvPr id="2" name="TextBox 1"/>
           <p:cNvSpPr txBox="1"/>
           <p:nvPr/>
@@ -9088,16 +9461,20 @@
               <a:t>These slides</a:t>
             </a:r>
             <a:r>
-              <a:rPr lang="en-US" sz="5400"/>
+              <a:rPr lang="en-US" sz="5400" dirty="0"/>
               <a:t>:  </a:t>
             </a:r>
             <a:r>
-              <a:rPr lang="en-US" sz="5400" smtClean="0"/>
-              <a:t>Link to be </a:t>
-            </a:r>
-            <a:r>
-              <a:rPr lang="en-US" sz="5400" smtClean="0"/>
-              <a:t>added later</a:t>
+              <a:rPr lang="en-US" sz="5400" dirty="0">
+                <a:hlinkClick r:id="rId2"/>
+              </a:rPr>
+              <a:t>http://</a:t>
+            </a:r>
+            <a:r>
+              <a:rPr lang="en-US" sz="5400" dirty="0" smtClean="0">
+                <a:hlinkClick r:id="rId2"/>
+              </a:rPr>
+              <a:t>bit.ly/29DrQRt</a:t>
             </a:r>
             <a:endParaRPr lang="en-US" sz="5400" dirty="0"/>
           </a:p>
@@ -9266,206 +9643,101 @@
             <a:spLocks noGrp="1"/>
           </p:cNvSpPr>
           <p:nvPr>
-            <p:ph type="title"/>
-          </p:nvPr>
-        </p:nvSpPr>
-        <p:spPr/>
-        <p:txBody>
-          <a:bodyPr/>
-          <a:lstStyle/>
-          <a:p>
-            <a:r>
-              <a:rPr lang="en-US" dirty="0" smtClean="0"/>
-              <a:t>Melding data with social justice:</a:t>
-            </a:r>
-            <a:endParaRPr lang="en-US" dirty="0"/>
-          </a:p>
-        </p:txBody>
-      </p:sp>
-      <p:sp>
-        <p:nvSpPr>
-          <p:cNvPr id="3" name="Content Placeholder 2"/>
-          <p:cNvSpPr>
-            <a:spLocks noGrp="1"/>
-          </p:cNvSpPr>
-          <p:nvPr>
-            <p:ph idx="1"/>
+            <p:ph type="ctrTitle"/>
           </p:nvPr>
         </p:nvSpPr>
         <p:spPr>
           <a:xfrm>
-            <a:off x="838199" y="1548245"/>
-            <a:ext cx="10872355" cy="4628718"/>
+            <a:off x="592283" y="1122363"/>
+            <a:ext cx="11087100" cy="2387600"/>
           </a:xfrm>
         </p:spPr>
         <p:txBody>
           <a:bodyPr>
-            <a:normAutofit fontScale="92500" lnSpcReduction="10000"/>
+            <a:normAutofit/>
           </a:bodyPr>
           <a:lstStyle/>
           <a:p>
             <a:r>
-              <a:rPr lang="en-US" b="1" u="sng" dirty="0" smtClean="0"/>
-              <a:t>Introductory statistics course:</a:t>
-            </a:r>
-          </a:p>
-          <a:p>
-            <a:pPr lvl="1"/>
-            <a:r>
-              <a:rPr lang="en-US" dirty="0" smtClean="0"/>
-              <a:t>Graphical methods</a:t>
-            </a:r>
-          </a:p>
-          <a:p>
-            <a:pPr lvl="1"/>
-            <a:r>
-              <a:rPr lang="en-US" dirty="0" smtClean="0"/>
-              <a:t>Fisher’s Exact Test</a:t>
-            </a:r>
-          </a:p>
-          <a:p>
-            <a:pPr lvl="1"/>
-            <a:r>
-              <a:rPr lang="en-US" dirty="0" smtClean="0"/>
-              <a:t>Chi-square test of association</a:t>
-            </a:r>
-          </a:p>
-          <a:p>
-            <a:pPr lvl="1"/>
-            <a:r>
-              <a:rPr lang="en-US" dirty="0"/>
-              <a:t>T</a:t>
-            </a:r>
-            <a:r>
-              <a:rPr lang="en-US" dirty="0" smtClean="0"/>
-              <a:t>wo-sample t-test</a:t>
-            </a:r>
-          </a:p>
-          <a:p>
-            <a:pPr lvl="1"/>
+              <a:rPr lang="en-US" sz="3600" cap="all" dirty="0"/>
+              <a:t>melding data with social justice in undergraduate statistics and data science courses</a:t>
+            </a:r>
+          </a:p>
+        </p:txBody>
+      </p:sp>
+      <p:sp>
+        <p:nvSpPr>
+          <p:cNvPr id="4" name="Slide Number Placeholder 3"/>
+          <p:cNvSpPr>
+            <a:spLocks noGrp="1"/>
+          </p:cNvSpPr>
+          <p:nvPr>
+            <p:ph type="sldNum" sz="quarter" idx="12"/>
+          </p:nvPr>
+        </p:nvSpPr>
+        <p:spPr/>
+        <p:txBody>
+          <a:bodyPr/>
+          <a:lstStyle/>
+          <a:p>
+            <a:fld id="{FB882541-102A-4FCD-9FC7-F3C6CA417EB7}" type="slidenum">
+              <a:rPr lang="en-US" smtClean="0"/>
+              <a:t>4</a:t>
+            </a:fld>
             <a:endParaRPr lang="en-US" dirty="0"/>
           </a:p>
-          <a:p>
-            <a:r>
-              <a:rPr lang="en-US" b="1" u="sng" dirty="0" smtClean="0"/>
-              <a:t>Intermediate statistics course:</a:t>
-            </a:r>
-          </a:p>
-          <a:p>
-            <a:pPr lvl="1"/>
-            <a:r>
-              <a:rPr lang="en-US" dirty="0" smtClean="0"/>
-              <a:t>One-way ANOVA</a:t>
-            </a:r>
-          </a:p>
-          <a:p>
-            <a:pPr lvl="1"/>
-            <a:r>
-              <a:rPr lang="en-US" dirty="0" smtClean="0"/>
-              <a:t>One- and two-variable linear regression </a:t>
-            </a:r>
-          </a:p>
-          <a:p>
-            <a:pPr lvl="1"/>
-            <a:r>
-              <a:rPr lang="en-US" dirty="0" smtClean="0"/>
-              <a:t>Logistic regression</a:t>
-            </a:r>
-          </a:p>
-          <a:p>
-            <a:pPr lvl="1"/>
-            <a:endParaRPr lang="en-US" dirty="0" smtClean="0"/>
-          </a:p>
-          <a:p>
-            <a:pPr marL="228600" lvl="1">
-              <a:spcBef>
-                <a:spcPts val="1000"/>
-              </a:spcBef>
-            </a:pPr>
-            <a:r>
-              <a:rPr lang="en-US" dirty="0" smtClean="0"/>
-              <a:t>~37 students per section, for both</a:t>
-            </a:r>
-          </a:p>
-          <a:p>
-            <a:endParaRPr lang="en-US" dirty="0" smtClean="0"/>
-          </a:p>
-          <a:p>
-            <a:pPr lvl="1"/>
-            <a:endParaRPr lang="en-US" dirty="0" smtClean="0"/>
-          </a:p>
-        </p:txBody>
-      </p:sp>
-      <p:cxnSp>
-        <p:nvCxnSpPr>
-          <p:cNvPr id="5" name="Straight Arrow Connector 4"/>
-          <p:cNvCxnSpPr/>
+        </p:txBody>
+      </p:sp>
+      <p:sp>
+        <p:nvSpPr>
+          <p:cNvPr id="7" name="Oval 6"/>
+          <p:cNvSpPr/>
           <p:nvPr/>
-        </p:nvCxnSpPr>
+        </p:nvSpPr>
         <p:spPr>
-          <a:xfrm flipH="1" flipV="1">
-            <a:off x="5538356" y="1773816"/>
-            <a:ext cx="1745671" cy="13420"/>
+          <a:xfrm>
+            <a:off x="2259106" y="2958353"/>
+            <a:ext cx="2259106" cy="551610"/>
           </a:xfrm>
-          <a:prstGeom prst="straightConnector1">
+          <a:prstGeom prst="ellipse">
             <a:avLst/>
           </a:prstGeom>
-          <a:ln w="57150">
+          <a:noFill/>
+          <a:ln w="38100">
             <a:solidFill>
               <a:schemeClr val="tx1"/>
             </a:solidFill>
-            <a:tailEnd type="triangle"/>
           </a:ln>
         </p:spPr>
         <p:style>
-          <a:lnRef idx="1">
-            <a:schemeClr val="accent1"/>
+          <a:lnRef idx="2">
+            <a:schemeClr val="accent1">
+              <a:shade val="50000"/>
+            </a:schemeClr>
           </a:lnRef>
-          <a:fillRef idx="0">
+          <a:fillRef idx="1">
             <a:schemeClr val="accent1"/>
           </a:fillRef>
           <a:effectRef idx="0">
             <a:schemeClr val="accent1"/>
           </a:effectRef>
           <a:fontRef idx="minor">
-            <a:schemeClr val="tx1"/>
+            <a:schemeClr val="lt1"/>
           </a:fontRef>
         </p:style>
-      </p:cxnSp>
-      <p:sp>
-        <p:nvSpPr>
-          <p:cNvPr id="8" name="TextBox 7"/>
-          <p:cNvSpPr txBox="1"/>
-          <p:nvPr/>
-        </p:nvSpPr>
-        <p:spPr>
-          <a:xfrm>
-            <a:off x="7284027" y="1571792"/>
-            <a:ext cx="1751057" cy="430887"/>
-          </a:xfrm>
-          <a:prstGeom prst="rect">
-            <a:avLst/>
-          </a:prstGeom>
-          <a:noFill/>
-        </p:spPr>
-        <p:txBody>
-          <a:bodyPr wrap="none" rtlCol="0">
-            <a:spAutoFit/>
-          </a:bodyPr>
-          <a:lstStyle/>
-          <a:p>
-            <a:r>
-              <a:rPr lang="en-US" sz="2200" dirty="0" smtClean="0"/>
-              <a:t>Primary focus</a:t>
-            </a:r>
-            <a:endParaRPr lang="en-US" sz="2200" dirty="0"/>
+        <p:txBody>
+          <a:bodyPr rtlCol="0" anchor="ctr"/>
+          <a:lstStyle/>
+          <a:p>
+            <a:pPr algn="ctr"/>
+            <a:endParaRPr lang="en-US"/>
           </a:p>
         </p:txBody>
       </p:sp>
     </p:spTree>
     <p:extLst>
       <p:ext uri="{BB962C8B-B14F-4D97-AF65-F5344CB8AC3E}">
-        <p14:creationId xmlns:p14="http://schemas.microsoft.com/office/powerpoint/2010/main" val="2494229950"/>
+        <p14:creationId xmlns:p14="http://schemas.microsoft.com/office/powerpoint/2010/main" val="3082617223"/>
       </p:ext>
     </p:extLst>
   </p:cSld>
@@ -9493,7 +9765,7 @@
                             </p:stCondLst>
                             <p:childTnLst>
                               <p:par>
-                                <p:cTn id="5" presetID="1" presetClass="entr" presetSubtype="0" fill="hold" nodeType="clickEffect">
+                                <p:cTn id="5" presetID="1" presetClass="entr" presetSubtype="0" fill="hold" grpId="0" nodeType="clickEffect">
                                   <p:stCondLst>
                                     <p:cond delay="0"/>
                                   </p:stCondLst>
@@ -9506,34 +9778,7 @@
                                           </p:stCondLst>
                                         </p:cTn>
                                         <p:tgtEl>
-                                          <p:spTgt spid="5"/>
-                                        </p:tgtEl>
-                                        <p:attrNameLst>
-                                          <p:attrName>style.visibility</p:attrName>
-                                        </p:attrNameLst>
-                                      </p:cBhvr>
-                                      <p:to>
-                                        <p:strVal val="visible"/>
-                                      </p:to>
-                                    </p:set>
-                                  </p:childTnLst>
-                                </p:cTn>
-                              </p:par>
-                              <p:par>
-                                <p:cTn id="7" presetID="1" presetClass="entr" presetSubtype="0" fill="hold" grpId="0" nodeType="withEffect">
-                                  <p:stCondLst>
-                                    <p:cond delay="0"/>
-                                  </p:stCondLst>
-                                  <p:childTnLst>
-                                    <p:set>
-                                      <p:cBhvr>
-                                        <p:cTn id="8" dur="1" fill="hold">
-                                          <p:stCondLst>
-                                            <p:cond delay="0"/>
-                                          </p:stCondLst>
-                                        </p:cTn>
-                                        <p:tgtEl>
-                                          <p:spTgt spid="8"/>
+                                          <p:spTgt spid="7"/>
                                         </p:tgtEl>
                                         <p:attrNameLst>
                                           <p:attrName>style.visibility</p:attrName>
@@ -9574,7 +9819,7 @@
       </p:par>
     </p:tnLst>
     <p:bldLst>
-      <p:bldP spid="8" grpId="0"/>
+      <p:bldP spid="7" grpId="0" animBg="1"/>
     </p:bldLst>
   </p:timing>
 </p:sld>
@@ -9614,7 +9859,7 @@
           <a:p>
             <a:r>
               <a:rPr lang="en-US" dirty="0" smtClean="0"/>
-              <a:t>Goals:</a:t>
+              <a:t>Class description</a:t>
             </a:r>
             <a:endParaRPr lang="en-US" dirty="0"/>
           </a:p>
@@ -9638,83 +9883,56 @@
         </p:spPr>
         <p:txBody>
           <a:bodyPr>
-            <a:normAutofit fontScale="92500" lnSpcReduction="10000"/>
+            <a:normAutofit/>
           </a:bodyPr>
           <a:lstStyle/>
           <a:p>
-            <a:pPr marL="0" indent="0">
-              <a:buNone/>
-            </a:pPr>
-            <a:endParaRPr lang="en-US" sz="4000" dirty="0"/>
-          </a:p>
-          <a:p>
-            <a:pPr marL="514350" indent="-514350">
-              <a:buFont typeface="+mj-lt"/>
-              <a:buAutoNum type="arabicPeriod"/>
-            </a:pPr>
-            <a:r>
-              <a:rPr lang="en-US" sz="4000" dirty="0" smtClean="0"/>
-              <a:t>Promote growth in quantitative proficiency</a:t>
+            <a:endParaRPr lang="en-US" b="1" u="sng" dirty="0"/>
+          </a:p>
+          <a:p>
+            <a:r>
+              <a:rPr lang="en-US" dirty="0" smtClean="0"/>
+              <a:t>Introductory statistics course:</a:t>
             </a:r>
           </a:p>
           <a:p>
             <a:pPr lvl="1"/>
             <a:r>
-              <a:rPr lang="en-US" sz="3600" dirty="0" smtClean="0"/>
-              <a:t>Always using real, publicly-available data</a:t>
-            </a:r>
-          </a:p>
-          <a:p>
-            <a:pPr marL="514350" indent="-514350">
-              <a:buFont typeface="+mj-lt"/>
-              <a:buAutoNum type="arabicPeriod"/>
-            </a:pPr>
-            <a:endParaRPr lang="en-US" sz="4000" dirty="0"/>
-          </a:p>
-          <a:p>
-            <a:pPr marL="514350" indent="-514350">
-              <a:buFont typeface="+mj-lt"/>
-              <a:buAutoNum type="arabicPeriod"/>
-            </a:pPr>
-            <a:r>
-              <a:rPr lang="en-US" sz="4000" dirty="0" smtClean="0"/>
-              <a:t>Educate about social inequity</a:t>
-            </a:r>
-          </a:p>
-          <a:p>
-            <a:pPr marL="514350" indent="-514350">
-              <a:buFont typeface="+mj-lt"/>
-              <a:buAutoNum type="arabicPeriod"/>
-            </a:pPr>
-            <a:endParaRPr lang="en-US" sz="4000" dirty="0"/>
-          </a:p>
-          <a:p>
-            <a:pPr marL="514350" indent="-514350">
-              <a:buFont typeface="+mj-lt"/>
-              <a:buAutoNum type="arabicPeriod"/>
-            </a:pPr>
-            <a:r>
-              <a:rPr lang="en-US" sz="4000" dirty="0" smtClean="0"/>
-              <a:t>Foster reflection on learning…</a:t>
+              <a:rPr lang="en-US" dirty="0" smtClean="0"/>
+              <a:t>Graphical methods</a:t>
             </a:r>
           </a:p>
           <a:p>
             <a:pPr lvl="1"/>
             <a:r>
-              <a:rPr lang="en-US" sz="3600" dirty="0" smtClean="0"/>
-              <a:t>…for both students </a:t>
-            </a:r>
-            <a:r>
-              <a:rPr lang="en-US" sz="3600" i="1" dirty="0" smtClean="0"/>
-              <a:t>and </a:t>
-            </a:r>
-            <a:r>
-              <a:rPr lang="en-US" sz="3600" dirty="0" smtClean="0"/>
-              <a:t>myself!</a:t>
-            </a:r>
-          </a:p>
-          <a:p>
-            <a:endParaRPr lang="en-US" dirty="0" smtClean="0"/>
+              <a:rPr lang="en-US" dirty="0" smtClean="0"/>
+              <a:t>Fisher’s Exact Test</a:t>
+            </a:r>
+          </a:p>
+          <a:p>
+            <a:pPr lvl="1"/>
+            <a:r>
+              <a:rPr lang="en-US" dirty="0" smtClean="0"/>
+              <a:t>Chi-square test of association</a:t>
+            </a:r>
+          </a:p>
+          <a:p>
+            <a:pPr lvl="1"/>
+            <a:r>
+              <a:rPr lang="en-US" dirty="0"/>
+              <a:t>T</a:t>
+            </a:r>
+            <a:r>
+              <a:rPr lang="en-US" dirty="0" smtClean="0"/>
+              <a:t>wo-sample t-test</a:t>
+            </a:r>
+          </a:p>
+          <a:p>
+            <a:pPr lvl="1"/>
+            <a:r>
+              <a:rPr lang="en-US" dirty="0" smtClean="0"/>
+              <a:t>~37 students per section</a:t>
+            </a:r>
           </a:p>
           <a:p>
             <a:pPr lvl="1"/>
@@ -9725,7 +9943,7 @@
     </p:spTree>
     <p:extLst>
       <p:ext uri="{BB962C8B-B14F-4D97-AF65-F5344CB8AC3E}">
-        <p14:creationId xmlns:p14="http://schemas.microsoft.com/office/powerpoint/2010/main" val="1824887250"/>
+        <p14:creationId xmlns:p14="http://schemas.microsoft.com/office/powerpoint/2010/main" val="1381861409"/>
       </p:ext>
     </p:extLst>
   </p:cSld>
@@ -9771,45 +9989,20 @@
         </p:nvSpPr>
         <p:spPr/>
         <p:txBody>
-          <a:bodyPr>
-            <a:normAutofit/>
-          </a:bodyPr>
-          <a:lstStyle/>
-          <a:p>
-            <a:r>
-              <a:rPr lang="en-US" sz="4800" b="1" dirty="0" smtClean="0"/>
-              <a:t>Introductory statistics: Project #1</a:t>
-            </a:r>
-            <a:endParaRPr lang="en-US" sz="4800" b="1" dirty="0"/>
-          </a:p>
-        </p:txBody>
-      </p:sp>
-      <p:sp>
-        <p:nvSpPr>
-          <p:cNvPr id="3" name="Slide Number Placeholder 2"/>
-          <p:cNvSpPr>
-            <a:spLocks noGrp="1"/>
-          </p:cNvSpPr>
-          <p:nvPr>
-            <p:ph type="sldNum" sz="quarter" idx="12"/>
-          </p:nvPr>
-        </p:nvSpPr>
-        <p:spPr/>
-        <p:txBody>
           <a:bodyPr/>
           <a:lstStyle/>
           <a:p>
-            <a:fld id="{FB882541-102A-4FCD-9FC7-F3C6CA417EB7}" type="slidenum">
-              <a:rPr lang="en-US" smtClean="0"/>
-              <a:t>6</a:t>
-            </a:fld>
-            <a:endParaRPr lang="en-US"/>
-          </a:p>
-        </p:txBody>
-      </p:sp>
-      <p:sp>
-        <p:nvSpPr>
-          <p:cNvPr id="5" name="Content Placeholder 2"/>
+            <a:r>
+              <a:rPr lang="en-US" dirty="0" smtClean="0"/>
+              <a:t>Goals:</a:t>
+            </a:r>
+            <a:endParaRPr lang="en-US" dirty="0"/>
+          </a:p>
+        </p:txBody>
+      </p:sp>
+      <p:sp>
+        <p:nvSpPr>
+          <p:cNvPr id="3" name="Content Placeholder 2"/>
           <p:cNvSpPr>
             <a:spLocks noGrp="1"/>
           </p:cNvSpPr>
@@ -9825,9 +10018,15 @@
         </p:spPr>
         <p:txBody>
           <a:bodyPr>
-            <a:normAutofit fontScale="77500" lnSpcReduction="20000"/>
+            <a:normAutofit fontScale="92500" lnSpcReduction="10000"/>
           </a:bodyPr>
           <a:lstStyle/>
+          <a:p>
+            <a:pPr marL="0" indent="0">
+              <a:buNone/>
+            </a:pPr>
+            <a:endParaRPr lang="en-US" sz="4000" dirty="0"/>
+          </a:p>
           <a:p>
             <a:pPr marL="514350" indent="-514350">
               <a:buFont typeface="+mj-lt"/>
@@ -9842,60 +10041,15 @@
             <a:pPr lvl="1"/>
             <a:r>
               <a:rPr lang="en-US" sz="3600" dirty="0" smtClean="0"/>
-              <a:t>Graphical procedures</a:t>
-            </a:r>
-          </a:p>
-          <a:p>
-            <a:pPr lvl="1"/>
-            <a:r>
-              <a:rPr lang="en-US" sz="3600" dirty="0" smtClean="0"/>
-              <a:t>Chi-square test of association</a:t>
-            </a:r>
-          </a:p>
-          <a:p>
-            <a:pPr lvl="1"/>
-            <a:r>
-              <a:rPr lang="en-US" sz="3600" dirty="0" smtClean="0"/>
-              <a:t>Two-sample t-test</a:t>
-            </a:r>
-          </a:p>
-          <a:p>
-            <a:pPr lvl="1"/>
-            <a:r>
-              <a:rPr lang="en-US" sz="3600" dirty="0" smtClean="0"/>
-              <a:t>95% Confidence intervals for differences in means and proportions</a:t>
-            </a:r>
-          </a:p>
-          <a:p>
-            <a:pPr marL="971550" lvl="1" indent="-514350">
-              <a:buFont typeface="+mj-lt"/>
-              <a:buAutoNum type="arabicPeriod"/>
-            </a:pPr>
-            <a:endParaRPr lang="en-US" sz="3600" dirty="0" smtClean="0"/>
+              <a:t>Always using real, publicly-available data</a:t>
+            </a:r>
           </a:p>
           <a:p>
             <a:pPr marL="514350" indent="-514350">
               <a:buFont typeface="+mj-lt"/>
               <a:buAutoNum type="arabicPeriod"/>
             </a:pPr>
-            <a:r>
-              <a:rPr lang="en-US" sz="4000" dirty="0" smtClean="0"/>
-              <a:t>Educate about social inequity</a:t>
-            </a:r>
-          </a:p>
-          <a:p>
-            <a:pPr lvl="1"/>
-            <a:r>
-              <a:rPr lang="en-US" sz="3600" dirty="0" smtClean="0"/>
-              <a:t>Learn about the “Life-course framework” and structural racial inequity</a:t>
-            </a:r>
-          </a:p>
-          <a:p>
-            <a:pPr marL="971550" lvl="1" indent="-514350">
-              <a:buFont typeface="+mj-lt"/>
-              <a:buAutoNum type="arabicPeriod"/>
-            </a:pPr>
-            <a:endParaRPr lang="en-US" sz="3600" dirty="0" smtClean="0"/>
+            <a:endParaRPr lang="en-US" sz="4000" dirty="0"/>
           </a:p>
           <a:p>
             <a:pPr marL="514350" indent="-514350">
@@ -9904,14 +10058,7 @@
             </a:pPr>
             <a:r>
               <a:rPr lang="en-US" sz="4000" dirty="0" smtClean="0"/>
-              <a:t>Reflect on findings…</a:t>
-            </a:r>
-          </a:p>
-          <a:p>
-            <a:pPr lvl="1"/>
-            <a:r>
-              <a:rPr lang="en-US" sz="3200" dirty="0" smtClean="0"/>
-              <a:t>…through pre- and post- project questions</a:t>
+              <a:t>Educate about social inequity</a:t>
             </a:r>
           </a:p>
           <a:p>
@@ -9926,7 +10073,25 @@
               <a:buFont typeface="+mj-lt"/>
               <a:buAutoNum type="arabicPeriod"/>
             </a:pPr>
-            <a:endParaRPr lang="en-US" sz="3600" dirty="0" smtClean="0"/>
+            <a:r>
+              <a:rPr lang="en-US" sz="4000" dirty="0" smtClean="0"/>
+              <a:t>Foster reflection on learning…</a:t>
+            </a:r>
+          </a:p>
+          <a:p>
+            <a:pPr lvl="1"/>
+            <a:r>
+              <a:rPr lang="en-US" sz="3600" dirty="0" smtClean="0"/>
+              <a:t>…for both students </a:t>
+            </a:r>
+            <a:r>
+              <a:rPr lang="en-US" sz="3600" i="1" dirty="0" smtClean="0"/>
+              <a:t>and </a:t>
+            </a:r>
+            <a:r>
+              <a:rPr lang="en-US" sz="3600" dirty="0" smtClean="0"/>
+              <a:t>myself!</a:t>
+            </a:r>
           </a:p>
           <a:p>
             <a:endParaRPr lang="en-US" dirty="0" smtClean="0"/>
@@ -9940,7 +10105,7 @@
     </p:spTree>
     <p:extLst>
       <p:ext uri="{BB962C8B-B14F-4D97-AF65-F5344CB8AC3E}">
-        <p14:creationId xmlns:p14="http://schemas.microsoft.com/office/powerpoint/2010/main" val="2329080803"/>
+        <p14:creationId xmlns:p14="http://schemas.microsoft.com/office/powerpoint/2010/main" val="1824887250"/>
       </p:ext>
     </p:extLst>
   </p:cSld>
@@ -9984,12 +10149,7 @@
             <p:ph type="title"/>
           </p:nvPr>
         </p:nvSpPr>
-        <p:spPr>
-          <a:xfrm>
-            <a:off x="862263" y="0"/>
-            <a:ext cx="10515600" cy="1325563"/>
-          </a:xfrm>
-        </p:spPr>
+        <p:spPr/>
         <p:txBody>
           <a:bodyPr>
             <a:normAutofit/>
@@ -10000,83 +10160,13 @@
               <a:rPr lang="en-US" sz="4800" b="1" dirty="0" smtClean="0"/>
               <a:t>Introductory statistics: Project #1</a:t>
             </a:r>
-            <a:endParaRPr lang="en-US" sz="4800" dirty="0"/>
-          </a:p>
-        </p:txBody>
-      </p:sp>
-      <p:sp>
-        <p:nvSpPr>
-          <p:cNvPr id="3" name="Rectangle 2"/>
-          <p:cNvSpPr/>
-          <p:nvPr/>
-        </p:nvSpPr>
-        <p:spPr>
-          <a:xfrm>
-            <a:off x="5421351" y="5156021"/>
-            <a:ext cx="6770649" cy="1200329"/>
-          </a:xfrm>
-          <a:prstGeom prst="rect">
-            <a:avLst/>
-          </a:prstGeom>
-        </p:spPr>
-        <p:txBody>
-          <a:bodyPr wrap="square">
-            <a:spAutoFit/>
-          </a:bodyPr>
-          <a:lstStyle/>
-          <a:p>
-            <a:pPr algn="just"/>
-            <a:r>
-              <a:rPr lang="en-US" dirty="0" smtClean="0"/>
-              <a:t>Michael C. Lu, MD, MPH and Neal </a:t>
-            </a:r>
-            <a:r>
-              <a:rPr lang="en-US" dirty="0" err="1" smtClean="0"/>
-              <a:t>Halfon</a:t>
-            </a:r>
-            <a:r>
-              <a:rPr lang="en-US" dirty="0" smtClean="0"/>
-              <a:t>, MD, MPH, “Racial and Ethnic Disparities in Birth Outcomes: A Life-Course Perspective,” Maternal and Child Health Journal 7, no. 1 (March 2003): 13–30 </a:t>
-            </a:r>
-            <a:r>
-              <a:rPr lang="en-US" dirty="0" smtClean="0">
-                <a:hlinkClick r:id="rId2"/>
-              </a:rPr>
-              <a:t>http://mchb.hrsa.gov/infantmortalitysummit/disparitieslifecourse.pdf</a:t>
-            </a:r>
-            <a:r>
-              <a:rPr lang="en-US" dirty="0" smtClean="0"/>
-              <a:t> </a:t>
-            </a:r>
-          </a:p>
-        </p:txBody>
-      </p:sp>
-      <p:pic>
-        <p:nvPicPr>
-          <p:cNvPr id="4" name="Picture 3"/>
-          <p:cNvPicPr>
-            <a:picLocks noChangeAspect="1"/>
-          </p:cNvPicPr>
-          <p:nvPr/>
-        </p:nvPicPr>
-        <p:blipFill rotWithShape="1">
-          <a:blip r:embed="rId3"/>
-          <a:srcRect l="37617"/>
-          <a:stretch/>
-        </p:blipFill>
-        <p:spPr>
-          <a:xfrm>
-            <a:off x="6355080" y="985180"/>
-            <a:ext cx="5571423" cy="4082715"/>
-          </a:xfrm>
-          <a:prstGeom prst="rect">
-            <a:avLst/>
-          </a:prstGeom>
-        </p:spPr>
-      </p:pic>
-      <p:sp>
-        <p:nvSpPr>
-          <p:cNvPr id="5" name="Slide Number Placeholder 4"/>
+            <a:endParaRPr lang="en-US" sz="4800" b="1" dirty="0"/>
+          </a:p>
+        </p:txBody>
+      </p:sp>
+      <p:sp>
+        <p:nvSpPr>
+          <p:cNvPr id="3" name="Slide Number Placeholder 2"/>
           <p:cNvSpPr>
             <a:spLocks noGrp="1"/>
           </p:cNvSpPr>
@@ -10099,173 +10189,138 @@
       </p:sp>
       <p:sp>
         <p:nvSpPr>
-          <p:cNvPr id="6" name="TextBox 5"/>
-          <p:cNvSpPr txBox="1"/>
-          <p:nvPr/>
+          <p:cNvPr id="5" name="Content Placeholder 2"/>
+          <p:cNvSpPr>
+            <a:spLocks noGrp="1"/>
+          </p:cNvSpPr>
+          <p:nvPr>
+            <p:ph idx="1"/>
+          </p:nvPr>
         </p:nvSpPr>
         <p:spPr>
           <a:xfrm>
-            <a:off x="731520" y="1325563"/>
-            <a:ext cx="4869180" cy="6186309"/>
+            <a:off x="838199" y="1548245"/>
+            <a:ext cx="10872355" cy="4628718"/>
           </a:xfrm>
-          <a:prstGeom prst="rect">
-            <a:avLst/>
-          </a:prstGeom>
-          <a:noFill/>
         </p:spPr>
         <p:txBody>
-          <a:bodyPr wrap="square" rtlCol="0">
-            <a:spAutoFit/>
+          <a:bodyPr>
+            <a:normAutofit fontScale="77500" lnSpcReduction="20000"/>
           </a:bodyPr>
           <a:lstStyle/>
           <a:p>
-            <a:pPr marL="285750" indent="-285750">
-              <a:buFont typeface="Arial" panose="020B0604020202020204" pitchFamily="34" charset="0"/>
-              <a:buChar char="•"/>
-            </a:pPr>
-            <a:r>
-              <a:rPr lang="en-US" sz="2200" b="1" dirty="0" smtClean="0"/>
-              <a:t>Life-course framework: </a:t>
-            </a:r>
-            <a:r>
-              <a:rPr lang="en-US" sz="2200" dirty="0" smtClean="0"/>
-              <a:t>Differences in protective and risk factors across race associated with differences in health outcomes</a:t>
-            </a:r>
-          </a:p>
-          <a:p>
-            <a:pPr marL="285750" indent="-285750">
-              <a:buFont typeface="Arial" panose="020B0604020202020204" pitchFamily="34" charset="0"/>
-              <a:buChar char="•"/>
-            </a:pPr>
-            <a:endParaRPr lang="en-US" sz="2200" dirty="0"/>
-          </a:p>
-          <a:p>
-            <a:pPr marL="285750" indent="-285750">
-              <a:buFont typeface="Arial" panose="020B0604020202020204" pitchFamily="34" charset="0"/>
-              <a:buChar char="•"/>
-            </a:pPr>
-            <a:r>
-              <a:rPr lang="en-US" sz="2200" dirty="0" smtClean="0"/>
-              <a:t>Protective/risk factors:</a:t>
-            </a:r>
-          </a:p>
-          <a:p>
-            <a:pPr marL="742950" lvl="1" indent="-285750">
-              <a:buFont typeface="Arial" panose="020B0604020202020204" pitchFamily="34" charset="0"/>
-              <a:buChar char="•"/>
-            </a:pPr>
-            <a:r>
-              <a:rPr lang="en-US" sz="2200" dirty="0" smtClean="0"/>
-              <a:t>Nutrition</a:t>
-            </a:r>
-          </a:p>
-          <a:p>
-            <a:pPr marL="742950" lvl="1" indent="-285750">
-              <a:buFont typeface="Arial" panose="020B0604020202020204" pitchFamily="34" charset="0"/>
-              <a:buChar char="•"/>
-            </a:pPr>
-            <a:r>
-              <a:rPr lang="en-US" sz="2200" dirty="0" smtClean="0"/>
-              <a:t>Social support</a:t>
-            </a:r>
-          </a:p>
-          <a:p>
-            <a:pPr marL="742950" lvl="1" indent="-285750">
-              <a:buFont typeface="Arial" panose="020B0604020202020204" pitchFamily="34" charset="0"/>
-              <a:buChar char="•"/>
-            </a:pPr>
-            <a:r>
-              <a:rPr lang="en-US" sz="2200" dirty="0" smtClean="0"/>
-              <a:t>Income</a:t>
-            </a:r>
-          </a:p>
-          <a:p>
-            <a:pPr marL="742950" lvl="1" indent="-285750">
-              <a:buFont typeface="Arial" panose="020B0604020202020204" pitchFamily="34" charset="0"/>
-              <a:buChar char="•"/>
-            </a:pPr>
-            <a:r>
-              <a:rPr lang="en-US" sz="2200" dirty="0" smtClean="0"/>
-              <a:t>Health care</a:t>
-            </a:r>
-          </a:p>
-          <a:p>
-            <a:pPr marL="742950" lvl="1" indent="-285750">
-              <a:buFont typeface="Arial" panose="020B0604020202020204" pitchFamily="34" charset="0"/>
-              <a:buChar char="•"/>
-            </a:pPr>
-            <a:r>
-              <a:rPr lang="en-US" sz="2200" dirty="0" smtClean="0"/>
-              <a:t>Stress</a:t>
-            </a:r>
-          </a:p>
-          <a:p>
-            <a:pPr marL="742950" lvl="1" indent="-285750">
-              <a:buFont typeface="Arial" panose="020B0604020202020204" pitchFamily="34" charset="0"/>
-              <a:buChar char="•"/>
-            </a:pPr>
-            <a:r>
-              <a:rPr lang="en-US" sz="2200" dirty="0" smtClean="0"/>
-              <a:t>Marital status</a:t>
-            </a:r>
-          </a:p>
-          <a:p>
-            <a:pPr marL="742950" lvl="1" indent="-285750">
-              <a:buFont typeface="Arial" panose="020B0604020202020204" pitchFamily="34" charset="0"/>
-              <a:buChar char="•"/>
-            </a:pPr>
-            <a:endParaRPr lang="en-US" sz="2200" dirty="0"/>
-          </a:p>
-          <a:p>
-            <a:pPr marL="285750" indent="-285750">
-              <a:buFont typeface="Arial" panose="020B0604020202020204" pitchFamily="34" charset="0"/>
-              <a:buChar char="•"/>
-            </a:pPr>
-            <a:r>
-              <a:rPr lang="en-US" sz="2200" dirty="0" smtClean="0"/>
-              <a:t>Health outcomes:</a:t>
-            </a:r>
-          </a:p>
-          <a:p>
-            <a:pPr marL="742950" lvl="1" indent="-285750">
-              <a:buFont typeface="Arial" panose="020B0604020202020204" pitchFamily="34" charset="0"/>
-              <a:buChar char="•"/>
-            </a:pPr>
-            <a:r>
-              <a:rPr lang="en-US" sz="2200" dirty="0" smtClean="0"/>
-              <a:t>Infant birth weight</a:t>
-            </a:r>
-          </a:p>
-          <a:p>
-            <a:pPr marL="742950" lvl="1" indent="-285750">
-              <a:buFont typeface="Arial" panose="020B0604020202020204" pitchFamily="34" charset="0"/>
-              <a:buChar char="•"/>
-            </a:pPr>
-            <a:r>
-              <a:rPr lang="en-US" sz="2200" dirty="0" smtClean="0"/>
-              <a:t>Infant gestational age</a:t>
-            </a:r>
-          </a:p>
-          <a:p>
-            <a:pPr marL="742950" lvl="1" indent="-285750">
-              <a:buFont typeface="Arial" panose="020B0604020202020204" pitchFamily="34" charset="0"/>
-              <a:buChar char="•"/>
-            </a:pPr>
-            <a:endParaRPr lang="en-US" sz="2200" dirty="0"/>
-          </a:p>
-          <a:p>
-            <a:pPr marL="742950" lvl="1" indent="-285750">
-              <a:buFont typeface="Arial" panose="020B0604020202020204" pitchFamily="34" charset="0"/>
-              <a:buChar char="•"/>
-            </a:pPr>
-            <a:endParaRPr lang="en-US" sz="2200" dirty="0" smtClean="0"/>
+            <a:pPr marL="514350" indent="-514350">
+              <a:buFont typeface="+mj-lt"/>
+              <a:buAutoNum type="arabicPeriod"/>
+            </a:pPr>
+            <a:r>
+              <a:rPr lang="en-US" sz="4000" dirty="0" smtClean="0"/>
+              <a:t>Promote growth in quantitative proficiency</a:t>
+            </a:r>
+          </a:p>
+          <a:p>
+            <a:pPr lvl="1"/>
+            <a:r>
+              <a:rPr lang="en-US" sz="3600" dirty="0" smtClean="0"/>
+              <a:t>Graphical procedures</a:t>
+            </a:r>
+          </a:p>
+          <a:p>
+            <a:pPr lvl="1"/>
+            <a:r>
+              <a:rPr lang="en-US" sz="3600" dirty="0" smtClean="0"/>
+              <a:t>Chi-square test of association</a:t>
+            </a:r>
+          </a:p>
+          <a:p>
+            <a:pPr lvl="1"/>
+            <a:r>
+              <a:rPr lang="en-US" sz="3600" dirty="0" smtClean="0"/>
+              <a:t>Two-sample t-test</a:t>
+            </a:r>
+          </a:p>
+          <a:p>
+            <a:pPr lvl="1"/>
+            <a:r>
+              <a:rPr lang="en-US" sz="3600" dirty="0" smtClean="0"/>
+              <a:t>95% Confidence intervals for differences in means and proportions</a:t>
+            </a:r>
+          </a:p>
+          <a:p>
+            <a:pPr marL="971550" lvl="1" indent="-514350">
+              <a:buFont typeface="+mj-lt"/>
+              <a:buAutoNum type="arabicPeriod"/>
+            </a:pPr>
+            <a:endParaRPr lang="en-US" sz="3600" dirty="0" smtClean="0"/>
+          </a:p>
+          <a:p>
+            <a:pPr marL="514350" indent="-514350">
+              <a:buFont typeface="+mj-lt"/>
+              <a:buAutoNum type="arabicPeriod"/>
+            </a:pPr>
+            <a:r>
+              <a:rPr lang="en-US" sz="4000" dirty="0" smtClean="0"/>
+              <a:t>Educate about social inequity</a:t>
+            </a:r>
+          </a:p>
+          <a:p>
+            <a:pPr lvl="1"/>
+            <a:r>
+              <a:rPr lang="en-US" sz="3600" dirty="0" smtClean="0"/>
+              <a:t>Learn about the “Life-course framework” and structural racial inequity</a:t>
+            </a:r>
+          </a:p>
+          <a:p>
+            <a:pPr marL="971550" lvl="1" indent="-514350">
+              <a:buFont typeface="+mj-lt"/>
+              <a:buAutoNum type="arabicPeriod"/>
+            </a:pPr>
+            <a:endParaRPr lang="en-US" sz="3600" dirty="0" smtClean="0"/>
+          </a:p>
+          <a:p>
+            <a:pPr marL="514350" indent="-514350">
+              <a:buFont typeface="+mj-lt"/>
+              <a:buAutoNum type="arabicPeriod"/>
+            </a:pPr>
+            <a:r>
+              <a:rPr lang="en-US" sz="4000" dirty="0" smtClean="0"/>
+              <a:t>Reflect on findings…</a:t>
+            </a:r>
+          </a:p>
+          <a:p>
+            <a:pPr lvl="1"/>
+            <a:r>
+              <a:rPr lang="en-US" sz="3200" dirty="0" smtClean="0"/>
+              <a:t>…through pre- and post- project questions</a:t>
+            </a:r>
+          </a:p>
+          <a:p>
+            <a:pPr marL="514350" indent="-514350">
+              <a:buFont typeface="+mj-lt"/>
+              <a:buAutoNum type="arabicPeriod"/>
+            </a:pPr>
+            <a:endParaRPr lang="en-US" sz="4000" dirty="0"/>
+          </a:p>
+          <a:p>
+            <a:pPr marL="514350" indent="-514350">
+              <a:buFont typeface="+mj-lt"/>
+              <a:buAutoNum type="arabicPeriod"/>
+            </a:pPr>
+            <a:endParaRPr lang="en-US" sz="3600" dirty="0" smtClean="0"/>
+          </a:p>
+          <a:p>
+            <a:endParaRPr lang="en-US" dirty="0" smtClean="0"/>
+          </a:p>
+          <a:p>
+            <a:pPr lvl="1"/>
+            <a:endParaRPr lang="en-US" dirty="0" smtClean="0"/>
           </a:p>
         </p:txBody>
       </p:sp>
     </p:spTree>
     <p:extLst>
       <p:ext uri="{BB962C8B-B14F-4D97-AF65-F5344CB8AC3E}">
-        <p14:creationId xmlns:p14="http://schemas.microsoft.com/office/powerpoint/2010/main" val="987886274"/>
+        <p14:creationId xmlns:p14="http://schemas.microsoft.com/office/powerpoint/2010/main" val="2329080803"/>
       </p:ext>
     </p:extLst>
   </p:cSld>
@@ -10311,7 +10366,7 @@
         </p:nvSpPr>
         <p:spPr>
           <a:xfrm>
-            <a:off x="838200" y="376555"/>
+            <a:off x="862263" y="0"/>
             <a:ext cx="10515600" cy="1325563"/>
           </a:xfrm>
         </p:spPr>
@@ -10325,13 +10380,83 @@
               <a:rPr lang="en-US" sz="4800" b="1" dirty="0" smtClean="0"/>
               <a:t>Introductory statistics: Project #1</a:t>
             </a:r>
-            <a:endParaRPr lang="en-US" sz="4800" b="1" dirty="0"/>
-          </a:p>
-        </p:txBody>
-      </p:sp>
-      <p:sp>
-        <p:nvSpPr>
-          <p:cNvPr id="3" name="Slide Number Placeholder 2"/>
+            <a:endParaRPr lang="en-US" sz="4800" dirty="0"/>
+          </a:p>
+        </p:txBody>
+      </p:sp>
+      <p:sp>
+        <p:nvSpPr>
+          <p:cNvPr id="3" name="Rectangle 2"/>
+          <p:cNvSpPr/>
+          <p:nvPr/>
+        </p:nvSpPr>
+        <p:spPr>
+          <a:xfrm>
+            <a:off x="5421351" y="5156021"/>
+            <a:ext cx="6770649" cy="1200329"/>
+          </a:xfrm>
+          <a:prstGeom prst="rect">
+            <a:avLst/>
+          </a:prstGeom>
+        </p:spPr>
+        <p:txBody>
+          <a:bodyPr wrap="square">
+            <a:spAutoFit/>
+          </a:bodyPr>
+          <a:lstStyle/>
+          <a:p>
+            <a:pPr algn="just"/>
+            <a:r>
+              <a:rPr lang="en-US" dirty="0" smtClean="0"/>
+              <a:t>Michael C. Lu, MD, MPH and Neal </a:t>
+            </a:r>
+            <a:r>
+              <a:rPr lang="en-US" dirty="0" err="1" smtClean="0"/>
+              <a:t>Halfon</a:t>
+            </a:r>
+            <a:r>
+              <a:rPr lang="en-US" dirty="0" smtClean="0"/>
+              <a:t>, MD, MPH, “Racial and Ethnic Disparities in Birth Outcomes: A Life-Course Perspective,” Maternal and Child Health Journal 7, no. 1 (March 2003): 13–30 </a:t>
+            </a:r>
+            <a:r>
+              <a:rPr lang="en-US" dirty="0" smtClean="0">
+                <a:hlinkClick r:id="rId2"/>
+              </a:rPr>
+              <a:t>http://mchb.hrsa.gov/infantmortalitysummit/disparitieslifecourse.pdf</a:t>
+            </a:r>
+            <a:r>
+              <a:rPr lang="en-US" dirty="0" smtClean="0"/>
+              <a:t> </a:t>
+            </a:r>
+          </a:p>
+        </p:txBody>
+      </p:sp>
+      <p:pic>
+        <p:nvPicPr>
+          <p:cNvPr id="4" name="Picture 3"/>
+          <p:cNvPicPr>
+            <a:picLocks noChangeAspect="1"/>
+          </p:cNvPicPr>
+          <p:nvPr/>
+        </p:nvPicPr>
+        <p:blipFill rotWithShape="1">
+          <a:blip r:embed="rId3"/>
+          <a:srcRect l="37617"/>
+          <a:stretch/>
+        </p:blipFill>
+        <p:spPr>
+          <a:xfrm>
+            <a:off x="6355080" y="985180"/>
+            <a:ext cx="5571423" cy="4082715"/>
+          </a:xfrm>
+          <a:prstGeom prst="rect">
+            <a:avLst/>
+          </a:prstGeom>
+        </p:spPr>
+      </p:pic>
+      <p:sp>
+        <p:nvSpPr>
+          <p:cNvPr id="5" name="Slide Number Placeholder 4"/>
           <p:cNvSpPr>
             <a:spLocks noGrp="1"/>
           </p:cNvSpPr>
@@ -10354,97 +10479,173 @@
       </p:sp>
       <p:sp>
         <p:nvSpPr>
-          <p:cNvPr id="5" name="Content Placeholder 2"/>
-          <p:cNvSpPr>
-            <a:spLocks noGrp="1"/>
-          </p:cNvSpPr>
-          <p:nvPr>
-            <p:ph idx="1"/>
-          </p:nvPr>
+          <p:cNvPr id="6" name="TextBox 5"/>
+          <p:cNvSpPr txBox="1"/>
+          <p:nvPr/>
         </p:nvSpPr>
         <p:spPr>
           <a:xfrm>
-            <a:off x="838199" y="1548245"/>
-            <a:ext cx="10872355" cy="4628718"/>
+            <a:off x="731520" y="1325563"/>
+            <a:ext cx="4869180" cy="6186309"/>
           </a:xfrm>
+          <a:prstGeom prst="rect">
+            <a:avLst/>
+          </a:prstGeom>
+          <a:noFill/>
         </p:spPr>
         <p:txBody>
-          <a:bodyPr>
-            <a:normAutofit/>
+          <a:bodyPr wrap="square" rtlCol="0">
+            <a:spAutoFit/>
           </a:bodyPr>
           <a:lstStyle/>
           <a:p>
-            <a:pPr marL="0" indent="0">
-              <a:buNone/>
-            </a:pPr>
-            <a:endParaRPr lang="en-US" sz="4000" dirty="0"/>
-          </a:p>
-          <a:p>
-            <a:pPr marL="0" indent="0">
-              <a:buNone/>
-            </a:pPr>
-            <a:r>
-              <a:rPr lang="en-US" sz="4000" dirty="0" smtClean="0"/>
-              <a:t>2 perspectives:</a:t>
-            </a:r>
-          </a:p>
-          <a:p>
-            <a:pPr marL="0" indent="0">
-              <a:buNone/>
-            </a:pPr>
-            <a:endParaRPr lang="en-US" sz="4000" dirty="0"/>
-          </a:p>
-          <a:p>
-            <a:pPr marL="742950" indent="-742950">
-              <a:buFont typeface="+mj-lt"/>
-              <a:buAutoNum type="arabicPeriod"/>
-            </a:pPr>
-            <a:r>
-              <a:rPr lang="en-US" sz="4000" b="1" dirty="0" smtClean="0"/>
-              <a:t>Snapshot (cross-sectional)</a:t>
-            </a:r>
-          </a:p>
-          <a:p>
-            <a:pPr marL="742950" indent="-742950">
-              <a:buFont typeface="+mj-lt"/>
-              <a:buAutoNum type="arabicPeriod"/>
-            </a:pPr>
-            <a:r>
-              <a:rPr lang="en-US" sz="4000" b="1" dirty="0" smtClean="0"/>
-              <a:t>Historic (longitudinal)</a:t>
-            </a:r>
-          </a:p>
-          <a:p>
-            <a:pPr lvl="1"/>
-            <a:endParaRPr lang="en-US" b="1" dirty="0" smtClean="0"/>
-          </a:p>
-          <a:p>
-            <a:pPr marL="514350" indent="-514350">
-              <a:buFont typeface="+mj-lt"/>
-              <a:buAutoNum type="arabicPeriod"/>
-            </a:pPr>
-            <a:endParaRPr lang="en-US" sz="4000" dirty="0"/>
-          </a:p>
-          <a:p>
-            <a:pPr marL="514350" indent="-514350">
-              <a:buFont typeface="+mj-lt"/>
-              <a:buAutoNum type="arabicPeriod"/>
-            </a:pPr>
-            <a:endParaRPr lang="en-US" sz="3600" dirty="0" smtClean="0"/>
-          </a:p>
-          <a:p>
-            <a:endParaRPr lang="en-US" dirty="0" smtClean="0"/>
-          </a:p>
-          <a:p>
-            <a:pPr lvl="1"/>
-            <a:endParaRPr lang="en-US" dirty="0" smtClean="0"/>
+            <a:pPr marL="285750" indent="-285750">
+              <a:buFont typeface="Arial" panose="020B0604020202020204" pitchFamily="34" charset="0"/>
+              <a:buChar char="•"/>
+            </a:pPr>
+            <a:r>
+              <a:rPr lang="en-US" sz="2200" b="1" dirty="0" smtClean="0"/>
+              <a:t>Life-course framework: </a:t>
+            </a:r>
+            <a:r>
+              <a:rPr lang="en-US" sz="2200" dirty="0" smtClean="0"/>
+              <a:t>Differences in protective and risk factors across race associated with differences in health outcomes</a:t>
+            </a:r>
+          </a:p>
+          <a:p>
+            <a:pPr marL="285750" indent="-285750">
+              <a:buFont typeface="Arial" panose="020B0604020202020204" pitchFamily="34" charset="0"/>
+              <a:buChar char="•"/>
+            </a:pPr>
+            <a:endParaRPr lang="en-US" sz="2200" dirty="0"/>
+          </a:p>
+          <a:p>
+            <a:pPr marL="285750" indent="-285750">
+              <a:buFont typeface="Arial" panose="020B0604020202020204" pitchFamily="34" charset="0"/>
+              <a:buChar char="•"/>
+            </a:pPr>
+            <a:r>
+              <a:rPr lang="en-US" sz="2200" dirty="0" smtClean="0"/>
+              <a:t>Protective/risk factors:</a:t>
+            </a:r>
+          </a:p>
+          <a:p>
+            <a:pPr marL="742950" lvl="1" indent="-285750">
+              <a:buFont typeface="Arial" panose="020B0604020202020204" pitchFamily="34" charset="0"/>
+              <a:buChar char="•"/>
+            </a:pPr>
+            <a:r>
+              <a:rPr lang="en-US" sz="2200" dirty="0" smtClean="0"/>
+              <a:t>Nutrition</a:t>
+            </a:r>
+          </a:p>
+          <a:p>
+            <a:pPr marL="742950" lvl="1" indent="-285750">
+              <a:buFont typeface="Arial" panose="020B0604020202020204" pitchFamily="34" charset="0"/>
+              <a:buChar char="•"/>
+            </a:pPr>
+            <a:r>
+              <a:rPr lang="en-US" sz="2200" dirty="0" smtClean="0"/>
+              <a:t>Social support</a:t>
+            </a:r>
+          </a:p>
+          <a:p>
+            <a:pPr marL="742950" lvl="1" indent="-285750">
+              <a:buFont typeface="Arial" panose="020B0604020202020204" pitchFamily="34" charset="0"/>
+              <a:buChar char="•"/>
+            </a:pPr>
+            <a:r>
+              <a:rPr lang="en-US" sz="2200" dirty="0" smtClean="0"/>
+              <a:t>Income</a:t>
+            </a:r>
+          </a:p>
+          <a:p>
+            <a:pPr marL="742950" lvl="1" indent="-285750">
+              <a:buFont typeface="Arial" panose="020B0604020202020204" pitchFamily="34" charset="0"/>
+              <a:buChar char="•"/>
+            </a:pPr>
+            <a:r>
+              <a:rPr lang="en-US" sz="2200" dirty="0" smtClean="0"/>
+              <a:t>Health care</a:t>
+            </a:r>
+          </a:p>
+          <a:p>
+            <a:pPr marL="742950" lvl="1" indent="-285750">
+              <a:buFont typeface="Arial" panose="020B0604020202020204" pitchFamily="34" charset="0"/>
+              <a:buChar char="•"/>
+            </a:pPr>
+            <a:r>
+              <a:rPr lang="en-US" sz="2200" dirty="0" smtClean="0"/>
+              <a:t>Stress</a:t>
+            </a:r>
+          </a:p>
+          <a:p>
+            <a:pPr marL="742950" lvl="1" indent="-285750">
+              <a:buFont typeface="Arial" panose="020B0604020202020204" pitchFamily="34" charset="0"/>
+              <a:buChar char="•"/>
+            </a:pPr>
+            <a:r>
+              <a:rPr lang="en-US" sz="2200" dirty="0" smtClean="0"/>
+              <a:t>Marital status</a:t>
+            </a:r>
+          </a:p>
+          <a:p>
+            <a:pPr marL="742950" lvl="1" indent="-285750">
+              <a:buFont typeface="Arial" panose="020B0604020202020204" pitchFamily="34" charset="0"/>
+              <a:buChar char="•"/>
+            </a:pPr>
+            <a:endParaRPr lang="en-US" sz="2200" dirty="0"/>
+          </a:p>
+          <a:p>
+            <a:pPr marL="285750" indent="-285750">
+              <a:buFont typeface="Arial" panose="020B0604020202020204" pitchFamily="34" charset="0"/>
+              <a:buChar char="•"/>
+            </a:pPr>
+            <a:r>
+              <a:rPr lang="en-US" sz="2200" dirty="0" smtClean="0"/>
+              <a:t>Health outcomes:</a:t>
+            </a:r>
+          </a:p>
+          <a:p>
+            <a:pPr marL="742950" lvl="1" indent="-285750">
+              <a:buFont typeface="Arial" panose="020B0604020202020204" pitchFamily="34" charset="0"/>
+              <a:buChar char="•"/>
+            </a:pPr>
+            <a:r>
+              <a:rPr lang="en-US" sz="2200" dirty="0" smtClean="0"/>
+              <a:t>Infant birth weight</a:t>
+            </a:r>
+          </a:p>
+          <a:p>
+            <a:pPr marL="742950" lvl="1" indent="-285750">
+              <a:buFont typeface="Arial" panose="020B0604020202020204" pitchFamily="34" charset="0"/>
+              <a:buChar char="•"/>
+            </a:pPr>
+            <a:r>
+              <a:rPr lang="en-US" sz="2200" dirty="0" smtClean="0"/>
+              <a:t>Infant gestational age</a:t>
+            </a:r>
+          </a:p>
+          <a:p>
+            <a:pPr marL="742950" lvl="1" indent="-285750">
+              <a:buFont typeface="Arial" panose="020B0604020202020204" pitchFamily="34" charset="0"/>
+              <a:buChar char="•"/>
+            </a:pPr>
+            <a:endParaRPr lang="en-US" sz="2200" dirty="0"/>
+          </a:p>
+          <a:p>
+            <a:pPr marL="742950" lvl="1" indent="-285750">
+              <a:buFont typeface="Arial" panose="020B0604020202020204" pitchFamily="34" charset="0"/>
+              <a:buChar char="•"/>
+            </a:pPr>
+            <a:endParaRPr lang="en-US" sz="2200" dirty="0" smtClean="0"/>
           </a:p>
         </p:txBody>
       </p:sp>
     </p:spTree>
     <p:extLst>
       <p:ext uri="{BB962C8B-B14F-4D97-AF65-F5344CB8AC3E}">
-        <p14:creationId xmlns:p14="http://schemas.microsoft.com/office/powerpoint/2010/main" val="1699112205"/>
+        <p14:creationId xmlns:p14="http://schemas.microsoft.com/office/powerpoint/2010/main" val="987886274"/>
       </p:ext>
     </p:extLst>
   </p:cSld>
@@ -10502,7 +10703,7 @@
           <a:p>
             <a:r>
               <a:rPr lang="en-US" sz="4800" b="1" dirty="0" smtClean="0"/>
-              <a:t>Introductory statistics: Project #1</a:t>
+              <a:t>2 Parts</a:t>
             </a:r>
             <a:endParaRPr lang="en-US" sz="4800" b="1" dirty="0"/>
           </a:p>
@@ -10556,67 +10757,43 @@
             <a:pPr marL="0" indent="0">
               <a:buNone/>
             </a:pPr>
+            <a:endParaRPr lang="en-US" sz="4000" dirty="0"/>
+          </a:p>
+          <a:p>
+            <a:pPr marL="0" indent="0">
+              <a:buNone/>
+            </a:pPr>
+            <a:endParaRPr lang="en-US" sz="4000" dirty="0"/>
+          </a:p>
+          <a:p>
+            <a:pPr marL="0" indent="0">
+              <a:buNone/>
+            </a:pPr>
             <a:r>
               <a:rPr lang="en-US" sz="4000" b="1" dirty="0" smtClean="0"/>
-              <a:t>Snapshot (cross-sectional)</a:t>
-            </a:r>
-          </a:p>
-          <a:p>
-            <a:pPr lvl="1"/>
-            <a:r>
-              <a:rPr lang="en-US" sz="3600" dirty="0" smtClean="0"/>
-              <a:t>Formal statistical tests (chi-square, t-test) to examine racial disparity across:</a:t>
-            </a:r>
-          </a:p>
-          <a:p>
-            <a:pPr lvl="2">
-              <a:buFont typeface="Courier New" panose="02070309020205020404" pitchFamily="49" charset="0"/>
-              <a:buChar char="o"/>
-            </a:pPr>
-            <a:r>
-              <a:rPr lang="en-US" sz="2800" dirty="0" smtClean="0"/>
-              <a:t>Employment status</a:t>
-            </a:r>
-          </a:p>
-          <a:p>
-            <a:pPr lvl="2">
-              <a:buFont typeface="Courier New" panose="02070309020205020404" pitchFamily="49" charset="0"/>
-              <a:buChar char="o"/>
-            </a:pPr>
-            <a:r>
-              <a:rPr lang="en-US" sz="2800" dirty="0" smtClean="0"/>
-              <a:t>Income </a:t>
-            </a:r>
-          </a:p>
-          <a:p>
-            <a:pPr lvl="2">
-              <a:buFont typeface="Courier New" panose="02070309020205020404" pitchFamily="49" charset="0"/>
-              <a:buChar char="o"/>
-            </a:pPr>
-            <a:r>
-              <a:rPr lang="en-US" sz="2800" dirty="0" smtClean="0"/>
-              <a:t>Risk of having a low birth weight infant </a:t>
-            </a:r>
-          </a:p>
-          <a:p>
-            <a:pPr lvl="2">
-              <a:buFont typeface="Courier New" panose="02070309020205020404" pitchFamily="49" charset="0"/>
-              <a:buChar char="o"/>
-            </a:pPr>
-            <a:r>
-              <a:rPr lang="en-US" sz="2800" dirty="0"/>
-              <a:t>N</a:t>
-            </a:r>
-            <a:r>
-              <a:rPr lang="en-US" sz="2800" dirty="0" smtClean="0"/>
-              <a:t>umber of prenatal care visits</a:t>
-            </a:r>
-          </a:p>
-          <a:p>
-            <a:pPr marL="914400" lvl="2" indent="0">
-              <a:buNone/>
-            </a:pPr>
-            <a:endParaRPr lang="en-US" sz="3200" dirty="0" smtClean="0"/>
+              <a:t>A. Snapshot </a:t>
+            </a:r>
+            <a:r>
+              <a:rPr lang="en-US" sz="4000" b="1" dirty="0" smtClean="0"/>
+              <a:t>(cross-sectional)</a:t>
+            </a:r>
+          </a:p>
+          <a:p>
+            <a:pPr marL="0" indent="0">
+              <a:buNone/>
+            </a:pPr>
+            <a:r>
+              <a:rPr lang="en-US" sz="4000" b="1" dirty="0" smtClean="0"/>
+              <a:t>B. </a:t>
+            </a:r>
+            <a:r>
+              <a:rPr lang="en-US" sz="4000" b="1" dirty="0" smtClean="0"/>
+              <a:t>Historic </a:t>
+            </a:r>
+            <a:r>
+              <a:rPr lang="en-US" sz="4000" b="1" dirty="0" smtClean="0"/>
+              <a:t>(longitudinal)</a:t>
+            </a:r>
           </a:p>
           <a:p>
             <a:pPr lvl="1"/>
@@ -10645,180 +10822,10 @@
           </a:p>
         </p:txBody>
       </p:sp>
-      <p:sp>
-        <p:nvSpPr>
-          <p:cNvPr id="4" name="Right Brace 3"/>
-          <p:cNvSpPr/>
-          <p:nvPr/>
-        </p:nvSpPr>
-        <p:spPr>
-          <a:xfrm>
-            <a:off x="5273413" y="3371850"/>
-            <a:ext cx="45719" cy="683984"/>
-          </a:xfrm>
-          <a:prstGeom prst="rightBrace">
-            <a:avLst/>
-          </a:prstGeom>
-          <a:ln>
-            <a:solidFill>
-              <a:schemeClr val="tx1"/>
-            </a:solidFill>
-          </a:ln>
-        </p:spPr>
-        <p:style>
-          <a:lnRef idx="1">
-            <a:schemeClr val="accent1"/>
-          </a:lnRef>
-          <a:fillRef idx="0">
-            <a:schemeClr val="accent1"/>
-          </a:fillRef>
-          <a:effectRef idx="0">
-            <a:schemeClr val="accent1"/>
-          </a:effectRef>
-          <a:fontRef idx="minor">
-            <a:schemeClr val="tx1"/>
-          </a:fontRef>
-        </p:style>
-        <p:txBody>
-          <a:bodyPr rtlCol="0" anchor="ctr"/>
-          <a:lstStyle/>
-          <a:p>
-            <a:pPr algn="ctr"/>
-            <a:endParaRPr lang="en-US"/>
-          </a:p>
-        </p:txBody>
-      </p:sp>
-      <p:sp>
-        <p:nvSpPr>
-          <p:cNvPr id="6" name="Right Brace 5"/>
-          <p:cNvSpPr/>
-          <p:nvPr/>
-        </p:nvSpPr>
-        <p:spPr>
-          <a:xfrm>
-            <a:off x="7856220" y="4290174"/>
-            <a:ext cx="45719" cy="651273"/>
-          </a:xfrm>
-          <a:prstGeom prst="rightBrace">
-            <a:avLst/>
-          </a:prstGeom>
-          <a:ln>
-            <a:solidFill>
-              <a:schemeClr val="tx1"/>
-            </a:solidFill>
-          </a:ln>
-        </p:spPr>
-        <p:style>
-          <a:lnRef idx="1">
-            <a:schemeClr val="accent1"/>
-          </a:lnRef>
-          <a:fillRef idx="0">
-            <a:schemeClr val="accent1"/>
-          </a:fillRef>
-          <a:effectRef idx="0">
-            <a:schemeClr val="accent1"/>
-          </a:effectRef>
-          <a:fontRef idx="minor">
-            <a:schemeClr val="tx1"/>
-          </a:fontRef>
-        </p:style>
-        <p:txBody>
-          <a:bodyPr rtlCol="0" anchor="ctr"/>
-          <a:lstStyle/>
-          <a:p>
-            <a:pPr algn="ctr"/>
-            <a:endParaRPr lang="en-US"/>
-          </a:p>
-        </p:txBody>
-      </p:sp>
-      <p:sp>
-        <p:nvSpPr>
-          <p:cNvPr id="7" name="TextBox 6"/>
-          <p:cNvSpPr txBox="1"/>
-          <p:nvPr/>
-        </p:nvSpPr>
-        <p:spPr>
-          <a:xfrm>
-            <a:off x="5572282" y="3570208"/>
-            <a:ext cx="5630900" cy="369332"/>
-          </a:xfrm>
-          <a:prstGeom prst="rect">
-            <a:avLst/>
-          </a:prstGeom>
-          <a:noFill/>
-        </p:spPr>
-        <p:txBody>
-          <a:bodyPr wrap="none" rtlCol="0">
-            <a:spAutoFit/>
-          </a:bodyPr>
-          <a:lstStyle/>
-          <a:p>
-            <a:r>
-              <a:rPr lang="en-US" dirty="0" smtClean="0"/>
-              <a:t>Data from </a:t>
-            </a:r>
-            <a:r>
-              <a:rPr lang="en-US" dirty="0" smtClean="0">
-                <a:hlinkClick r:id="rId2"/>
-              </a:rPr>
-              <a:t>American Community Survey using Data </a:t>
-            </a:r>
-            <a:r>
-              <a:rPr lang="en-US" dirty="0" err="1" smtClean="0">
-                <a:hlinkClick r:id="rId2"/>
-              </a:rPr>
-              <a:t>Ferrett</a:t>
-            </a:r>
-            <a:endParaRPr lang="en-US" dirty="0"/>
-          </a:p>
-        </p:txBody>
-      </p:sp>
-      <p:sp>
-        <p:nvSpPr>
-          <p:cNvPr id="8" name="TextBox 7"/>
-          <p:cNvSpPr txBox="1"/>
-          <p:nvPr/>
-        </p:nvSpPr>
-        <p:spPr>
-          <a:xfrm>
-            <a:off x="8209343" y="4295116"/>
-            <a:ext cx="3545713" cy="646331"/>
-          </a:xfrm>
-          <a:prstGeom prst="rect">
-            <a:avLst/>
-          </a:prstGeom>
-          <a:noFill/>
-        </p:spPr>
-        <p:txBody>
-          <a:bodyPr wrap="square" rtlCol="0">
-            <a:spAutoFit/>
-          </a:bodyPr>
-          <a:lstStyle/>
-          <a:p>
-            <a:r>
-              <a:rPr lang="en-US" dirty="0" smtClean="0"/>
-              <a:t>Data from </a:t>
-            </a:r>
-            <a:r>
-              <a:rPr lang="en-US" dirty="0" smtClean="0">
-                <a:hlinkClick r:id="rId3" action="ppaction://hlinkfile"/>
-              </a:rPr>
-              <a:t>North Carolina Vital Statistics </a:t>
-            </a:r>
-            <a:r>
-              <a:rPr lang="en-US" dirty="0" err="1" smtClean="0">
-                <a:hlinkClick r:id="rId3" action="ppaction://hlinkfile"/>
-              </a:rPr>
-              <a:t>Dataverse</a:t>
-            </a:r>
-            <a:endParaRPr lang="en-US" dirty="0"/>
-          </a:p>
-        </p:txBody>
-      </p:sp>
     </p:spTree>
     <p:extLst>
       <p:ext uri="{BB962C8B-B14F-4D97-AF65-F5344CB8AC3E}">
-        <p14:creationId xmlns:p14="http://schemas.microsoft.com/office/powerpoint/2010/main" val="428509064"/>
+        <p14:creationId xmlns:p14="http://schemas.microsoft.com/office/powerpoint/2010/main" val="1699112205"/>
       </p:ext>
     </p:extLst>
   </p:cSld>
